--- a/人生的福.pptx
+++ b/人生的福.pptx
@@ -2,7 +2,7 @@
 <file path=ppt/presentation.xml><?xml version="1.0" encoding="utf-8"?>
 <p:presentation xmlns:a="http://schemas.openxmlformats.org/drawingml/2006/main" xmlns:r="http://schemas.openxmlformats.org/officeDocument/2006/relationships" xmlns:p="http://schemas.openxmlformats.org/presentationml/2006/main" saveSubsetFonts="1">
   <p:sldMasterIdLst>
-    <p:sldMasterId id="2147483660" r:id="rId1"/>
+    <p:sldMasterId id="2147483672" r:id="rId1"/>
   </p:sldMasterIdLst>
   <p:sldIdLst>
     <p:sldId id="256" r:id="rId2"/>
@@ -10,7 +10,7 @@
     <p:sldId id="258" r:id="rId4"/>
     <p:sldId id="259" r:id="rId5"/>
   </p:sldIdLst>
-  <p:sldSz cx="9144000" cy="6858000" type="screen4x3"/>
+  <p:sldSz cx="12192000" cy="6858000"/>
   <p:notesSz cx="6858000" cy="9144000"/>
   <p:defaultTextStyle>
     <a:defPPr>
@@ -107,17 +107,28 @@
       </a:defRPr>
     </a:lvl9pPr>
   </p:defaultTextStyle>
+  <p:extLst>
+    <p:ext uri="{EFAFB233-063F-42B5-8137-9DF3F51BA10A}">
+      <p15:sldGuideLst xmlns:p15="http://schemas.microsoft.com/office/powerpoint/2012/main">
+        <p15:guide id="1" orient="horz" pos="2160" userDrawn="1">
+          <p15:clr>
+            <a:srgbClr val="A4A3A4"/>
+          </p15:clr>
+        </p15:guide>
+        <p15:guide id="2" pos="3840" userDrawn="1">
+          <p15:clr>
+            <a:srgbClr val="A4A3A4"/>
+          </p15:clr>
+        </p15:guide>
+      </p15:sldGuideLst>
+    </p:ext>
+  </p:extLst>
 </p:presentation>
 </file>
 
 <file path=ppt/slideLayouts/slideLayout1.xml><?xml version="1.0" encoding="utf-8"?>
-<p:sldLayout xmlns:a="http://schemas.openxmlformats.org/drawingml/2006/main" xmlns:r="http://schemas.openxmlformats.org/officeDocument/2006/relationships" xmlns:p="http://schemas.openxmlformats.org/presentationml/2006/main" showMasterSp="0" type="title" preserve="1">
+<p:sldLayout xmlns:a="http://schemas.openxmlformats.org/drawingml/2006/main" xmlns:r="http://schemas.openxmlformats.org/officeDocument/2006/relationships" xmlns:p="http://schemas.openxmlformats.org/presentationml/2006/main" type="title" preserve="1">
   <p:cSld name="標題投影片">
-    <p:bg>
-      <p:bgRef idx="1002">
-        <a:schemeClr val="bg2"/>
-      </p:bgRef>
-    </p:bg>
     <p:spTree>
       <p:nvGrpSpPr>
         <p:cNvPr id="1" name=""/>
@@ -134,54 +145,7 @@
       </p:grpSpPr>
       <p:sp>
         <p:nvSpPr>
-          <p:cNvPr id="9" name="Rectangle 8"/>
-          <p:cNvSpPr/>
-          <p:nvPr/>
-        </p:nvSpPr>
-        <p:spPr bwMode="ltGray">
-          <a:xfrm>
-            <a:off x="0" y="0"/>
-            <a:ext cx="9143999" cy="5135430"/>
-          </a:xfrm>
-          <a:prstGeom prst="rect">
-            <a:avLst/>
-          </a:prstGeom>
-          <a:solidFill>
-            <a:srgbClr val="000000"/>
-          </a:solidFill>
-          <a:ln w="48000" cap="flat" cmpd="thickThin" algn="ctr">
-            <a:noFill/>
-            <a:prstDash val="solid"/>
-          </a:ln>
-        </p:spPr>
-        <p:style>
-          <a:lnRef idx="2">
-            <a:schemeClr val="accent1"/>
-          </a:lnRef>
-          <a:fillRef idx="1">
-            <a:schemeClr val="accent1"/>
-          </a:fillRef>
-          <a:effectRef idx="0">
-            <a:schemeClr val="accent1"/>
-          </a:effectRef>
-          <a:fontRef idx="minor">
-            <a:schemeClr val="lt1"/>
-          </a:fontRef>
-        </p:style>
-        <p:txBody>
-          <a:bodyPr rtlCol="0" anchor="ctr"/>
-          <a:lstStyle>
-            <a:extLst/>
-          </a:lstStyle>
-          <a:p>
-            <a:pPr algn="ctr" eaLnBrk="1" latinLnBrk="0" hangingPunct="1"/>
-            <a:endParaRPr kumimoji="0" lang="en-US"/>
-          </a:p>
-        </p:txBody>
-      </p:sp>
-      <p:sp>
-        <p:nvSpPr>
-          <p:cNvPr id="2" name="Title 1"/>
+          <p:cNvPr id="2" name="標題 1"/>
           <p:cNvSpPr>
             <a:spLocks noGrp="1"/>
           </p:cNvSpPr>
@@ -191,41 +155,25 @@
         </p:nvSpPr>
         <p:spPr>
           <a:xfrm>
-            <a:off x="685800" y="3355848"/>
-            <a:ext cx="8077200" cy="1673352"/>
+            <a:off x="914400" y="2130426"/>
+            <a:ext cx="10363200" cy="1470025"/>
           </a:xfrm>
         </p:spPr>
         <p:txBody>
-          <a:bodyPr vert="horz" lIns="91440" tIns="0" rIns="45720" bIns="0" rtlCol="0" anchor="t">
-            <a:normAutofit/>
-            <a:scene3d>
-              <a:camera prst="orthographicFront"/>
-              <a:lightRig rig="threePt" dir="t">
-                <a:rot lat="0" lon="0" rev="4800000"/>
-              </a:lightRig>
-            </a:scene3d>
-            <a:sp3d prstMaterial="matte">
-              <a:bevelT w="50800" h="10160"/>
-            </a:sp3d>
-          </a:bodyPr>
-          <a:lstStyle>
-            <a:lvl1pPr algn="l">
-              <a:defRPr sz="4700" b="1"/>
-            </a:lvl1pPr>
-            <a:extLst/>
-          </a:lstStyle>
-          <a:p>
-            <a:r>
-              <a:rPr kumimoji="0" lang="zh-TW" altLang="en-US" smtClean="0"/>
-              <a:t>按一下以編輯母片標題樣式</a:t>
-            </a:r>
-            <a:endParaRPr kumimoji="0" lang="en-US"/>
-          </a:p>
-        </p:txBody>
-      </p:sp>
-      <p:sp>
-        <p:nvSpPr>
-          <p:cNvPr id="3" name="Subtitle 2"/>
+          <a:bodyPr/>
+          <a:lstStyle/>
+          <a:p>
+            <a:r>
+              <a:rPr lang="en-US" altLang="zh-TW" smtClean="0"/>
+              <a:t>Click to edit Master title style</a:t>
+            </a:r>
+            <a:endParaRPr lang="zh-TW" altLang="en-US"/>
+          </a:p>
+        </p:txBody>
+      </p:sp>
+      <p:sp>
+        <p:nvSpPr>
+          <p:cNvPr id="3" name="副標題 2"/>
           <p:cNvSpPr>
             <a:spLocks noGrp="1"/>
           </p:cNvSpPr>
@@ -235,18 +183,20 @@
         </p:nvSpPr>
         <p:spPr>
           <a:xfrm>
-            <a:off x="685800" y="1828800"/>
-            <a:ext cx="8077200" cy="1499616"/>
+            <a:off x="1828800" y="3886200"/>
+            <a:ext cx="8534400" cy="1752600"/>
           </a:xfrm>
         </p:spPr>
         <p:txBody>
-          <a:bodyPr lIns="118872" tIns="0" rIns="45720" bIns="0" anchor="b"/>
+          <a:bodyPr/>
           <a:lstStyle>
-            <a:lvl1pPr marL="0" indent="0" algn="l">
-              <a:buNone/>
-              <a:defRPr sz="2000">
+            <a:lvl1pPr marL="0" indent="0" algn="ctr">
+              <a:buNone/>
+              <a:defRPr>
                 <a:solidFill>
-                  <a:srgbClr val="FFFFFF"/>
+                  <a:schemeClr val="tx1">
+                    <a:tint val="75000"/>
+                  </a:schemeClr>
                 </a:solidFill>
               </a:defRPr>
             </a:lvl1pPr>
@@ -330,20 +280,19 @@
                 </a:solidFill>
               </a:defRPr>
             </a:lvl9pPr>
-            <a:extLst/>
           </a:lstStyle>
           <a:p>
             <a:r>
-              <a:rPr kumimoji="0" lang="zh-TW" altLang="en-US" smtClean="0"/>
-              <a:t>按一下以編輯母片副標題樣式</a:t>
-            </a:r>
-            <a:endParaRPr kumimoji="0" lang="en-US"/>
-          </a:p>
-        </p:txBody>
-      </p:sp>
-      <p:sp>
-        <p:nvSpPr>
-          <p:cNvPr id="4" name="Date Placeholder 3"/>
+              <a:rPr lang="en-US" altLang="zh-TW" smtClean="0"/>
+              <a:t>Click to edit Master subtitle style</a:t>
+            </a:r>
+            <a:endParaRPr lang="zh-TW" altLang="en-US"/>
+          </a:p>
+        </p:txBody>
+      </p:sp>
+      <p:sp>
+        <p:nvSpPr>
+          <p:cNvPr id="4" name="日期版面配置區 3"/>
           <p:cNvSpPr>
             <a:spLocks noGrp="1"/>
           </p:cNvSpPr>
@@ -358,7 +307,7 @@
           <a:p>
             <a:fld id="{53986D1C-D428-4C90-B2C4-4A2D283BBC11}" type="datetimeFigureOut">
               <a:rPr lang="zh-TW" altLang="en-US" smtClean="0"/>
-              <a:t>2013/6/1</a:t>
+              <a:t>2020/1/11</a:t>
             </a:fld>
             <a:endParaRPr lang="zh-TW" altLang="en-US"/>
           </a:p>
@@ -366,7 +315,7 @@
       </p:sp>
       <p:sp>
         <p:nvSpPr>
-          <p:cNvPr id="5" name="Footer Placeholder 4"/>
+          <p:cNvPr id="5" name="頁尾版面配置區 4"/>
           <p:cNvSpPr>
             <a:spLocks noGrp="1"/>
           </p:cNvSpPr>
@@ -385,7 +334,7 @@
       </p:sp>
       <p:sp>
         <p:nvSpPr>
-          <p:cNvPr id="6" name="Slide Number Placeholder 5"/>
+          <p:cNvPr id="6" name="投影片編號版面配置區 5"/>
           <p:cNvSpPr>
             <a:spLocks noGrp="1"/>
           </p:cNvSpPr>
@@ -406,64 +355,15 @@
           </a:p>
         </p:txBody>
       </p:sp>
-      <p:sp>
-        <p:nvSpPr>
-          <p:cNvPr id="10" name="Rectangle 9"/>
-          <p:cNvSpPr/>
-          <p:nvPr/>
-        </p:nvSpPr>
-        <p:spPr bwMode="invGray">
-          <a:xfrm>
-            <a:off x="0" y="5128334"/>
-            <a:ext cx="9144000" cy="45720"/>
-          </a:xfrm>
-          <a:prstGeom prst="rect">
-            <a:avLst/>
-          </a:prstGeom>
-          <a:solidFill>
-            <a:srgbClr val="FFFFFF"/>
-          </a:solidFill>
-          <a:ln w="48000" cap="flat" cmpd="thickThin" algn="ctr">
-            <a:noFill/>
-            <a:prstDash val="solid"/>
-          </a:ln>
-          <a:effectLst>
-            <a:outerShdw blurRad="31750" dist="10160" dir="5400000" algn="tl" rotWithShape="0">
-              <a:srgbClr val="000000">
-                <a:alpha val="60000"/>
-              </a:srgbClr>
-            </a:outerShdw>
-          </a:effectLst>
-        </p:spPr>
-        <p:style>
-          <a:lnRef idx="2">
-            <a:schemeClr val="accent1"/>
-          </a:lnRef>
-          <a:fillRef idx="1">
-            <a:schemeClr val="accent1"/>
-          </a:fillRef>
-          <a:effectRef idx="0">
-            <a:schemeClr val="accent1"/>
-          </a:effectRef>
-          <a:fontRef idx="minor">
-            <a:schemeClr val="lt1"/>
-          </a:fontRef>
-        </p:style>
-        <p:txBody>
-          <a:bodyPr rtlCol="0" anchor="ctr"/>
-          <a:lstStyle>
-            <a:extLst/>
-          </a:lstStyle>
-          <a:p>
-            <a:pPr algn="ctr" eaLnBrk="1" latinLnBrk="0" hangingPunct="1"/>
-            <a:endParaRPr kumimoji="0" lang="en-US"/>
-          </a:p>
-        </p:txBody>
-      </p:sp>
     </p:spTree>
+    <p:extLst>
+      <p:ext uri="{BB962C8B-B14F-4D97-AF65-F5344CB8AC3E}">
+        <p14:creationId xmlns:p14="http://schemas.microsoft.com/office/powerpoint/2010/main" val="3607944614"/>
+      </p:ext>
+    </p:extLst>
   </p:cSld>
   <p:clrMapOvr>
-    <a:overrideClrMapping bg1="dk1" tx1="lt1" bg2="dk2" tx2="lt2" accent1="accent1" accent2="accent2" accent3="accent3" accent4="accent4" accent5="accent5" accent6="accent6" hlink="hlink" folHlink="folHlink"/>
+    <a:masterClrMapping/>
   </p:clrMapOvr>
 </p:sldLayout>
 </file>
@@ -487,7 +387,7 @@
       </p:grpSpPr>
       <p:sp>
         <p:nvSpPr>
-          <p:cNvPr id="2" name="Title 1"/>
+          <p:cNvPr id="2" name="標題 1"/>
           <p:cNvSpPr>
             <a:spLocks noGrp="1"/>
           </p:cNvSpPr>
@@ -498,21 +398,19 @@
         <p:spPr/>
         <p:txBody>
           <a:bodyPr/>
-          <a:lstStyle>
-            <a:extLst/>
-          </a:lstStyle>
-          <a:p>
-            <a:r>
-              <a:rPr kumimoji="0" lang="zh-TW" altLang="en-US" smtClean="0"/>
-              <a:t>按一下以編輯母片標題樣式</a:t>
-            </a:r>
-            <a:endParaRPr kumimoji="0" lang="en-US"/>
-          </a:p>
-        </p:txBody>
-      </p:sp>
-      <p:sp>
-        <p:nvSpPr>
-          <p:cNvPr id="3" name="Vertical Text Placeholder 2"/>
+          <a:lstStyle/>
+          <a:p>
+            <a:r>
+              <a:rPr lang="en-US" altLang="zh-TW" smtClean="0"/>
+              <a:t>Click to edit Master title style</a:t>
+            </a:r>
+            <a:endParaRPr lang="zh-TW" altLang="en-US"/>
+          </a:p>
+        </p:txBody>
+      </p:sp>
+      <p:sp>
+        <p:nvSpPr>
+          <p:cNvPr id="3" name="直排文字版面配置區 2"/>
           <p:cNvSpPr>
             <a:spLocks noGrp="1"/>
           </p:cNvSpPr>
@@ -523,50 +421,48 @@
         <p:spPr/>
         <p:txBody>
           <a:bodyPr vert="eaVert"/>
-          <a:lstStyle>
-            <a:extLst/>
-          </a:lstStyle>
-          <a:p>
-            <a:pPr lvl="0" eaLnBrk="1" latinLnBrk="0" hangingPunct="1"/>
-            <a:r>
-              <a:rPr lang="zh-TW" altLang="en-US" smtClean="0"/>
-              <a:t>按一下以編輯母片文字樣式</a:t>
-            </a:r>
-          </a:p>
-          <a:p>
-            <a:pPr lvl="1" eaLnBrk="1" latinLnBrk="0" hangingPunct="1"/>
-            <a:r>
-              <a:rPr lang="zh-TW" altLang="en-US" smtClean="0"/>
-              <a:t>第二層</a:t>
-            </a:r>
-          </a:p>
-          <a:p>
-            <a:pPr lvl="2" eaLnBrk="1" latinLnBrk="0" hangingPunct="1"/>
-            <a:r>
-              <a:rPr lang="zh-TW" altLang="en-US" smtClean="0"/>
-              <a:t>第三層</a:t>
-            </a:r>
-          </a:p>
-          <a:p>
-            <a:pPr lvl="3" eaLnBrk="1" latinLnBrk="0" hangingPunct="1"/>
-            <a:r>
-              <a:rPr lang="zh-TW" altLang="en-US" smtClean="0"/>
-              <a:t>第四層</a:t>
-            </a:r>
-          </a:p>
-          <a:p>
-            <a:pPr lvl="4" eaLnBrk="1" latinLnBrk="0" hangingPunct="1"/>
-            <a:r>
-              <a:rPr lang="zh-TW" altLang="en-US" smtClean="0"/>
-              <a:t>第五層</a:t>
-            </a:r>
-            <a:endParaRPr kumimoji="0" lang="en-US"/>
-          </a:p>
-        </p:txBody>
-      </p:sp>
-      <p:sp>
-        <p:nvSpPr>
-          <p:cNvPr id="4" name="Date Placeholder 3"/>
+          <a:lstStyle/>
+          <a:p>
+            <a:pPr lvl="0"/>
+            <a:r>
+              <a:rPr lang="en-US" altLang="zh-TW" smtClean="0"/>
+              <a:t>Edit Master text styles</a:t>
+            </a:r>
+          </a:p>
+          <a:p>
+            <a:pPr lvl="1"/>
+            <a:r>
+              <a:rPr lang="en-US" altLang="zh-TW" smtClean="0"/>
+              <a:t>Second level</a:t>
+            </a:r>
+          </a:p>
+          <a:p>
+            <a:pPr lvl="2"/>
+            <a:r>
+              <a:rPr lang="en-US" altLang="zh-TW" smtClean="0"/>
+              <a:t>Third level</a:t>
+            </a:r>
+          </a:p>
+          <a:p>
+            <a:pPr lvl="3"/>
+            <a:r>
+              <a:rPr lang="en-US" altLang="zh-TW" smtClean="0"/>
+              <a:t>Fourth level</a:t>
+            </a:r>
+          </a:p>
+          <a:p>
+            <a:pPr lvl="4"/>
+            <a:r>
+              <a:rPr lang="en-US" altLang="zh-TW" smtClean="0"/>
+              <a:t>Fifth level</a:t>
+            </a:r>
+            <a:endParaRPr lang="zh-TW" altLang="en-US"/>
+          </a:p>
+        </p:txBody>
+      </p:sp>
+      <p:sp>
+        <p:nvSpPr>
+          <p:cNvPr id="4" name="日期版面配置區 3"/>
           <p:cNvSpPr>
             <a:spLocks noGrp="1"/>
           </p:cNvSpPr>
@@ -581,7 +477,7 @@
           <a:p>
             <a:fld id="{53986D1C-D428-4C90-B2C4-4A2D283BBC11}" type="datetimeFigureOut">
               <a:rPr lang="zh-TW" altLang="en-US" smtClean="0"/>
-              <a:t>2013/6/1</a:t>
+              <a:t>2020/1/11</a:t>
             </a:fld>
             <a:endParaRPr lang="zh-TW" altLang="en-US"/>
           </a:p>
@@ -589,7 +485,7 @@
       </p:sp>
       <p:sp>
         <p:nvSpPr>
-          <p:cNvPr id="5" name="Footer Placeholder 4"/>
+          <p:cNvPr id="5" name="頁尾版面配置區 4"/>
           <p:cNvSpPr>
             <a:spLocks noGrp="1"/>
           </p:cNvSpPr>
@@ -608,7 +504,7 @@
       </p:sp>
       <p:sp>
         <p:nvSpPr>
-          <p:cNvPr id="6" name="Slide Number Placeholder 5"/>
+          <p:cNvPr id="6" name="投影片編號版面配置區 5"/>
           <p:cNvSpPr>
             <a:spLocks noGrp="1"/>
           </p:cNvSpPr>
@@ -630,6 +526,11 @@
         </p:txBody>
       </p:sp>
     </p:spTree>
+    <p:extLst>
+      <p:ext uri="{BB962C8B-B14F-4D97-AF65-F5344CB8AC3E}">
+        <p14:creationId xmlns:p14="http://schemas.microsoft.com/office/powerpoint/2010/main" val="3742445295"/>
+      </p:ext>
+    </p:extLst>
   </p:cSld>
   <p:clrMapOvr>
     <a:masterClrMapping/>
@@ -638,7 +539,7 @@
 </file>
 
 <file path=ppt/slideLayouts/slideLayout11.xml><?xml version="1.0" encoding="utf-8"?>
-<p:sldLayout xmlns:a="http://schemas.openxmlformats.org/drawingml/2006/main" xmlns:r="http://schemas.openxmlformats.org/officeDocument/2006/relationships" xmlns:p="http://schemas.openxmlformats.org/presentationml/2006/main" showMasterSp="0" type="vertTitleAndTx" preserve="1">
+<p:sldLayout xmlns:a="http://schemas.openxmlformats.org/drawingml/2006/main" xmlns:r="http://schemas.openxmlformats.org/officeDocument/2006/relationships" xmlns:p="http://schemas.openxmlformats.org/presentationml/2006/main" type="vertTitleAndTx" preserve="1">
   <p:cSld name="直排標題及文字">
     <p:spTree>
       <p:nvGrpSpPr>
@@ -656,108 +557,7 @@
       </p:grpSpPr>
       <p:sp>
         <p:nvSpPr>
-          <p:cNvPr id="9" name="Rectangle 8"/>
-          <p:cNvSpPr/>
-          <p:nvPr/>
-        </p:nvSpPr>
-        <p:spPr bwMode="invGray">
-          <a:xfrm>
-            <a:off x="6598920" y="0"/>
-            <a:ext cx="45720" cy="6858000"/>
-          </a:xfrm>
-          <a:prstGeom prst="rect">
-            <a:avLst/>
-          </a:prstGeom>
-          <a:solidFill>
-            <a:srgbClr val="FFFFFF"/>
-          </a:solidFill>
-          <a:ln w="48000" cap="flat" cmpd="thickThin" algn="ctr">
-            <a:noFill/>
-            <a:prstDash val="solid"/>
-          </a:ln>
-          <a:effectLst>
-            <a:outerShdw blurRad="31750" dist="10160" dir="10800000" algn="tl" rotWithShape="0">
-              <a:srgbClr val="000000">
-                <a:alpha val="60000"/>
-              </a:srgbClr>
-            </a:outerShdw>
-          </a:effectLst>
-        </p:spPr>
-        <p:style>
-          <a:lnRef idx="2">
-            <a:schemeClr val="accent1"/>
-          </a:lnRef>
-          <a:fillRef idx="1">
-            <a:schemeClr val="accent1"/>
-          </a:fillRef>
-          <a:effectRef idx="0">
-            <a:schemeClr val="accent1"/>
-          </a:effectRef>
-          <a:fontRef idx="minor">
-            <a:schemeClr val="lt1"/>
-          </a:fontRef>
-        </p:style>
-        <p:txBody>
-          <a:bodyPr rtlCol="0" anchor="ctr"/>
-          <a:lstStyle>
-            <a:extLst/>
-          </a:lstStyle>
-          <a:p>
-            <a:pPr algn="ctr" eaLnBrk="1" latinLnBrk="0" hangingPunct="1"/>
-            <a:endParaRPr kumimoji="0" lang="en-US"/>
-          </a:p>
-        </p:txBody>
-      </p:sp>
-      <p:sp>
-        <p:nvSpPr>
-          <p:cNvPr id="8" name="Rectangle 7"/>
-          <p:cNvSpPr/>
-          <p:nvPr/>
-        </p:nvSpPr>
-        <p:spPr bwMode="ltGray">
-          <a:xfrm>
-            <a:off x="6647687" y="0"/>
-            <a:ext cx="2514601" cy="6858000"/>
-          </a:xfrm>
-          <a:prstGeom prst="rect">
-            <a:avLst/>
-          </a:prstGeom>
-          <a:solidFill>
-            <a:srgbClr val="000000"/>
-          </a:solidFill>
-          <a:ln w="48000" cap="flat" cmpd="thickThin" algn="ctr">
-            <a:noFill/>
-            <a:prstDash val="solid"/>
-          </a:ln>
-        </p:spPr>
-        <p:style>
-          <a:lnRef idx="2">
-            <a:schemeClr val="accent1"/>
-          </a:lnRef>
-          <a:fillRef idx="1">
-            <a:schemeClr val="accent1"/>
-          </a:fillRef>
-          <a:effectRef idx="0">
-            <a:schemeClr val="accent1"/>
-          </a:effectRef>
-          <a:fontRef idx="minor">
-            <a:schemeClr val="lt1"/>
-          </a:fontRef>
-        </p:style>
-        <p:txBody>
-          <a:bodyPr rtlCol="0" anchor="ctr"/>
-          <a:lstStyle>
-            <a:extLst/>
-          </a:lstStyle>
-          <a:p>
-            <a:pPr algn="ctr" eaLnBrk="1" latinLnBrk="0" hangingPunct="1"/>
-            <a:endParaRPr kumimoji="0" lang="en-US"/>
-          </a:p>
-        </p:txBody>
-      </p:sp>
-      <p:sp>
-        <p:nvSpPr>
-          <p:cNvPr id="2" name="Vertical Title 1"/>
+          <p:cNvPr id="2" name="直排標題 1"/>
           <p:cNvSpPr>
             <a:spLocks noGrp="1"/>
           </p:cNvSpPr>
@@ -767,27 +567,25 @@
         </p:nvSpPr>
         <p:spPr>
           <a:xfrm>
-            <a:off x="6781800" y="274640"/>
-            <a:ext cx="1905000" cy="5851525"/>
+            <a:off x="8839200" y="274639"/>
+            <a:ext cx="2743200" cy="5851525"/>
           </a:xfrm>
         </p:spPr>
         <p:txBody>
           <a:bodyPr vert="eaVert"/>
-          <a:lstStyle>
-            <a:extLst/>
-          </a:lstStyle>
-          <a:p>
-            <a:r>
-              <a:rPr kumimoji="0" lang="zh-TW" altLang="en-US" smtClean="0"/>
-              <a:t>按一下以編輯母片標題樣式</a:t>
-            </a:r>
-            <a:endParaRPr kumimoji="0" lang="en-US"/>
-          </a:p>
-        </p:txBody>
-      </p:sp>
-      <p:sp>
-        <p:nvSpPr>
-          <p:cNvPr id="3" name="Vertical Text Placeholder 2"/>
+          <a:lstStyle/>
+          <a:p>
+            <a:r>
+              <a:rPr lang="en-US" altLang="zh-TW" smtClean="0"/>
+              <a:t>Click to edit Master title style</a:t>
+            </a:r>
+            <a:endParaRPr lang="zh-TW" altLang="en-US"/>
+          </a:p>
+        </p:txBody>
+      </p:sp>
+      <p:sp>
+        <p:nvSpPr>
+          <p:cNvPr id="3" name="直排文字版面配置區 2"/>
           <p:cNvSpPr>
             <a:spLocks noGrp="1"/>
           </p:cNvSpPr>
@@ -797,56 +595,54 @@
         </p:nvSpPr>
         <p:spPr>
           <a:xfrm>
-            <a:off x="457200" y="304800"/>
-            <a:ext cx="6019800" cy="5851525"/>
+            <a:off x="609600" y="274639"/>
+            <a:ext cx="8026400" cy="5851525"/>
           </a:xfrm>
         </p:spPr>
         <p:txBody>
           <a:bodyPr vert="eaVert"/>
-          <a:lstStyle>
-            <a:extLst/>
-          </a:lstStyle>
-          <a:p>
-            <a:pPr lvl="0" eaLnBrk="1" latinLnBrk="0" hangingPunct="1"/>
-            <a:r>
-              <a:rPr lang="zh-TW" altLang="en-US" smtClean="0"/>
-              <a:t>按一下以編輯母片文字樣式</a:t>
-            </a:r>
-          </a:p>
-          <a:p>
-            <a:pPr lvl="1" eaLnBrk="1" latinLnBrk="0" hangingPunct="1"/>
-            <a:r>
-              <a:rPr lang="zh-TW" altLang="en-US" smtClean="0"/>
-              <a:t>第二層</a:t>
-            </a:r>
-          </a:p>
-          <a:p>
-            <a:pPr lvl="2" eaLnBrk="1" latinLnBrk="0" hangingPunct="1"/>
-            <a:r>
-              <a:rPr lang="zh-TW" altLang="en-US" smtClean="0"/>
-              <a:t>第三層</a:t>
-            </a:r>
-          </a:p>
-          <a:p>
-            <a:pPr lvl="3" eaLnBrk="1" latinLnBrk="0" hangingPunct="1"/>
-            <a:r>
-              <a:rPr lang="zh-TW" altLang="en-US" smtClean="0"/>
-              <a:t>第四層</a:t>
-            </a:r>
-          </a:p>
-          <a:p>
-            <a:pPr lvl="4" eaLnBrk="1" latinLnBrk="0" hangingPunct="1"/>
-            <a:r>
-              <a:rPr lang="zh-TW" altLang="en-US" smtClean="0"/>
-              <a:t>第五層</a:t>
-            </a:r>
-            <a:endParaRPr kumimoji="0" lang="en-US"/>
-          </a:p>
-        </p:txBody>
-      </p:sp>
-      <p:sp>
-        <p:nvSpPr>
-          <p:cNvPr id="4" name="Date Placeholder 3"/>
+          <a:lstStyle/>
+          <a:p>
+            <a:pPr lvl="0"/>
+            <a:r>
+              <a:rPr lang="en-US" altLang="zh-TW" smtClean="0"/>
+              <a:t>Edit Master text styles</a:t>
+            </a:r>
+          </a:p>
+          <a:p>
+            <a:pPr lvl="1"/>
+            <a:r>
+              <a:rPr lang="en-US" altLang="zh-TW" smtClean="0"/>
+              <a:t>Second level</a:t>
+            </a:r>
+          </a:p>
+          <a:p>
+            <a:pPr lvl="2"/>
+            <a:r>
+              <a:rPr lang="en-US" altLang="zh-TW" smtClean="0"/>
+              <a:t>Third level</a:t>
+            </a:r>
+          </a:p>
+          <a:p>
+            <a:pPr lvl="3"/>
+            <a:r>
+              <a:rPr lang="en-US" altLang="zh-TW" smtClean="0"/>
+              <a:t>Fourth level</a:t>
+            </a:r>
+          </a:p>
+          <a:p>
+            <a:pPr lvl="4"/>
+            <a:r>
+              <a:rPr lang="en-US" altLang="zh-TW" smtClean="0"/>
+              <a:t>Fifth level</a:t>
+            </a:r>
+            <a:endParaRPr lang="zh-TW" altLang="en-US"/>
+          </a:p>
+        </p:txBody>
+      </p:sp>
+      <p:sp>
+        <p:nvSpPr>
+          <p:cNvPr id="4" name="日期版面配置區 3"/>
           <p:cNvSpPr>
             <a:spLocks noGrp="1"/>
           </p:cNvSpPr>
@@ -861,7 +657,7 @@
           <a:p>
             <a:fld id="{53986D1C-D428-4C90-B2C4-4A2D283BBC11}" type="datetimeFigureOut">
               <a:rPr lang="zh-TW" altLang="en-US" smtClean="0"/>
-              <a:t>2013/6/1</a:t>
+              <a:t>2020/1/11</a:t>
             </a:fld>
             <a:endParaRPr lang="zh-TW" altLang="en-US"/>
           </a:p>
@@ -869,7 +665,7 @@
       </p:sp>
       <p:sp>
         <p:nvSpPr>
-          <p:cNvPr id="5" name="Footer Placeholder 4"/>
+          <p:cNvPr id="5" name="頁尾版面配置區 4"/>
           <p:cNvSpPr>
             <a:spLocks noGrp="1"/>
           </p:cNvSpPr>
@@ -877,23 +673,18 @@
             <p:ph type="ftr" sz="quarter" idx="11"/>
           </p:nvPr>
         </p:nvSpPr>
-        <p:spPr>
-          <a:xfrm>
-            <a:off x="2640597" y="6377459"/>
-            <a:ext cx="3836404" cy="365125"/>
-          </a:xfrm>
-        </p:spPr>
-        <p:txBody>
-          <a:bodyPr/>
-          <a:lstStyle/>
-          <a:p>
-            <a:endParaRPr lang="zh-TW" altLang="en-US"/>
-          </a:p>
-        </p:txBody>
-      </p:sp>
-      <p:sp>
-        <p:nvSpPr>
-          <p:cNvPr id="6" name="Slide Number Placeholder 5"/>
+        <p:spPr/>
+        <p:txBody>
+          <a:bodyPr/>
+          <a:lstStyle/>
+          <a:p>
+            <a:endParaRPr lang="zh-TW" altLang="en-US"/>
+          </a:p>
+        </p:txBody>
+      </p:sp>
+      <p:sp>
+        <p:nvSpPr>
+          <p:cNvPr id="6" name="投影片編號版面配置區 5"/>
           <p:cNvSpPr>
             <a:spLocks noGrp="1"/>
           </p:cNvSpPr>
@@ -915,6 +706,11 @@
         </p:txBody>
       </p:sp>
     </p:spTree>
+    <p:extLst>
+      <p:ext uri="{BB962C8B-B14F-4D97-AF65-F5344CB8AC3E}">
+        <p14:creationId xmlns:p14="http://schemas.microsoft.com/office/powerpoint/2010/main" val="3826307946"/>
+      </p:ext>
+    </p:extLst>
   </p:cSld>
   <p:clrMapOvr>
     <a:masterClrMapping/>
@@ -941,7 +737,7 @@
       </p:grpSpPr>
       <p:sp>
         <p:nvSpPr>
-          <p:cNvPr id="2" name="Title 1"/>
+          <p:cNvPr id="2" name="標題 1"/>
           <p:cNvSpPr>
             <a:spLocks noGrp="1"/>
           </p:cNvSpPr>
@@ -949,29 +745,22 @@
             <p:ph type="title"/>
           </p:nvPr>
         </p:nvSpPr>
-        <p:spPr>
-          <a:xfrm>
-            <a:off x="457200" y="155448"/>
-            <a:ext cx="8229600" cy="1252728"/>
-          </a:xfrm>
-        </p:spPr>
-        <p:txBody>
-          <a:bodyPr/>
-          <a:lstStyle>
-            <a:extLst/>
-          </a:lstStyle>
-          <a:p>
-            <a:r>
-              <a:rPr kumimoji="0" lang="zh-TW" altLang="en-US" smtClean="0"/>
-              <a:t>按一下以編輯母片標題樣式</a:t>
-            </a:r>
-            <a:endParaRPr kumimoji="0" lang="en-US"/>
-          </a:p>
-        </p:txBody>
-      </p:sp>
-      <p:sp>
-        <p:nvSpPr>
-          <p:cNvPr id="3" name="Content Placeholder 2"/>
+        <p:spPr/>
+        <p:txBody>
+          <a:bodyPr/>
+          <a:lstStyle/>
+          <a:p>
+            <a:r>
+              <a:rPr lang="en-US" altLang="zh-TW" smtClean="0"/>
+              <a:t>Click to edit Master title style</a:t>
+            </a:r>
+            <a:endParaRPr lang="zh-TW" altLang="en-US"/>
+          </a:p>
+        </p:txBody>
+      </p:sp>
+      <p:sp>
+        <p:nvSpPr>
+          <p:cNvPr id="3" name="內容版面配置區 2"/>
           <p:cNvSpPr>
             <a:spLocks noGrp="1"/>
           </p:cNvSpPr>
@@ -982,50 +771,48 @@
         <p:spPr/>
         <p:txBody>
           <a:bodyPr/>
-          <a:lstStyle>
-            <a:extLst/>
-          </a:lstStyle>
-          <a:p>
-            <a:pPr lvl="0" eaLnBrk="1" latinLnBrk="0" hangingPunct="1"/>
-            <a:r>
-              <a:rPr lang="zh-TW" altLang="en-US" smtClean="0"/>
-              <a:t>按一下以編輯母片文字樣式</a:t>
-            </a:r>
-          </a:p>
-          <a:p>
-            <a:pPr lvl="1" eaLnBrk="1" latinLnBrk="0" hangingPunct="1"/>
-            <a:r>
-              <a:rPr lang="zh-TW" altLang="en-US" smtClean="0"/>
-              <a:t>第二層</a:t>
-            </a:r>
-          </a:p>
-          <a:p>
-            <a:pPr lvl="2" eaLnBrk="1" latinLnBrk="0" hangingPunct="1"/>
-            <a:r>
-              <a:rPr lang="zh-TW" altLang="en-US" smtClean="0"/>
-              <a:t>第三層</a:t>
-            </a:r>
-          </a:p>
-          <a:p>
-            <a:pPr lvl="3" eaLnBrk="1" latinLnBrk="0" hangingPunct="1"/>
-            <a:r>
-              <a:rPr lang="zh-TW" altLang="en-US" smtClean="0"/>
-              <a:t>第四層</a:t>
-            </a:r>
-          </a:p>
-          <a:p>
-            <a:pPr lvl="4" eaLnBrk="1" latinLnBrk="0" hangingPunct="1"/>
-            <a:r>
-              <a:rPr lang="zh-TW" altLang="en-US" smtClean="0"/>
-              <a:t>第五層</a:t>
-            </a:r>
-            <a:endParaRPr kumimoji="0" lang="en-US"/>
-          </a:p>
-        </p:txBody>
-      </p:sp>
-      <p:sp>
-        <p:nvSpPr>
-          <p:cNvPr id="4" name="Date Placeholder 3"/>
+          <a:lstStyle/>
+          <a:p>
+            <a:pPr lvl="0"/>
+            <a:r>
+              <a:rPr lang="en-US" altLang="zh-TW" smtClean="0"/>
+              <a:t>Edit Master text styles</a:t>
+            </a:r>
+          </a:p>
+          <a:p>
+            <a:pPr lvl="1"/>
+            <a:r>
+              <a:rPr lang="en-US" altLang="zh-TW" smtClean="0"/>
+              <a:t>Second level</a:t>
+            </a:r>
+          </a:p>
+          <a:p>
+            <a:pPr lvl="2"/>
+            <a:r>
+              <a:rPr lang="en-US" altLang="zh-TW" smtClean="0"/>
+              <a:t>Third level</a:t>
+            </a:r>
+          </a:p>
+          <a:p>
+            <a:pPr lvl="3"/>
+            <a:r>
+              <a:rPr lang="en-US" altLang="zh-TW" smtClean="0"/>
+              <a:t>Fourth level</a:t>
+            </a:r>
+          </a:p>
+          <a:p>
+            <a:pPr lvl="4"/>
+            <a:r>
+              <a:rPr lang="en-US" altLang="zh-TW" smtClean="0"/>
+              <a:t>Fifth level</a:t>
+            </a:r>
+            <a:endParaRPr lang="zh-TW" altLang="en-US"/>
+          </a:p>
+        </p:txBody>
+      </p:sp>
+      <p:sp>
+        <p:nvSpPr>
+          <p:cNvPr id="4" name="日期版面配置區 3"/>
           <p:cNvSpPr>
             <a:spLocks noGrp="1"/>
           </p:cNvSpPr>
@@ -1040,7 +827,7 @@
           <a:p>
             <a:fld id="{53986D1C-D428-4C90-B2C4-4A2D283BBC11}" type="datetimeFigureOut">
               <a:rPr lang="zh-TW" altLang="en-US" smtClean="0"/>
-              <a:t>2013/6/1</a:t>
+              <a:t>2020/1/11</a:t>
             </a:fld>
             <a:endParaRPr lang="zh-TW" altLang="en-US"/>
           </a:p>
@@ -1048,7 +835,7 @@
       </p:sp>
       <p:sp>
         <p:nvSpPr>
-          <p:cNvPr id="5" name="Footer Placeholder 4"/>
+          <p:cNvPr id="5" name="頁尾版面配置區 4"/>
           <p:cNvSpPr>
             <a:spLocks noGrp="1"/>
           </p:cNvSpPr>
@@ -1067,7 +854,7 @@
       </p:sp>
       <p:sp>
         <p:nvSpPr>
-          <p:cNvPr id="6" name="Slide Number Placeholder 5"/>
+          <p:cNvPr id="6" name="投影片編號版面配置區 5"/>
           <p:cNvSpPr>
             <a:spLocks noGrp="1"/>
           </p:cNvSpPr>
@@ -1089,6 +876,11 @@
         </p:txBody>
       </p:sp>
     </p:spTree>
+    <p:extLst>
+      <p:ext uri="{BB962C8B-B14F-4D97-AF65-F5344CB8AC3E}">
+        <p14:creationId xmlns:p14="http://schemas.microsoft.com/office/powerpoint/2010/main" val="2719702379"/>
+      </p:ext>
+    </p:extLst>
   </p:cSld>
   <p:clrMapOvr>
     <a:masterClrMapping/>
@@ -1097,13 +889,8 @@
 </file>
 
 <file path=ppt/slideLayouts/slideLayout3.xml><?xml version="1.0" encoding="utf-8"?>
-<p:sldLayout xmlns:a="http://schemas.openxmlformats.org/drawingml/2006/main" xmlns:r="http://schemas.openxmlformats.org/officeDocument/2006/relationships" xmlns:p="http://schemas.openxmlformats.org/presentationml/2006/main" showMasterSp="0" type="secHead" preserve="1">
+<p:sldLayout xmlns:a="http://schemas.openxmlformats.org/drawingml/2006/main" xmlns:r="http://schemas.openxmlformats.org/officeDocument/2006/relationships" xmlns:p="http://schemas.openxmlformats.org/presentationml/2006/main" type="secHead" preserve="1">
   <p:cSld name="區段標題">
-    <p:bg>
-      <p:bgRef idx="1002">
-        <a:schemeClr val="bg2"/>
-      </p:bgRef>
-    </p:bg>
     <p:spTree>
       <p:nvGrpSpPr>
         <p:cNvPr id="1" name=""/>
@@ -1120,108 +907,7 @@
       </p:grpSpPr>
       <p:sp>
         <p:nvSpPr>
-          <p:cNvPr id="9" name="Rectangle 8"/>
-          <p:cNvSpPr/>
-          <p:nvPr/>
-        </p:nvSpPr>
-        <p:spPr bwMode="ltGray">
-          <a:xfrm>
-            <a:off x="0" y="1"/>
-            <a:ext cx="9144000" cy="2602520"/>
-          </a:xfrm>
-          <a:prstGeom prst="rect">
-            <a:avLst/>
-          </a:prstGeom>
-          <a:solidFill>
-            <a:srgbClr val="000000"/>
-          </a:solidFill>
-          <a:ln w="48000" cap="flat" cmpd="thickThin" algn="ctr">
-            <a:noFill/>
-            <a:prstDash val="solid"/>
-          </a:ln>
-        </p:spPr>
-        <p:style>
-          <a:lnRef idx="2">
-            <a:schemeClr val="accent1"/>
-          </a:lnRef>
-          <a:fillRef idx="1">
-            <a:schemeClr val="accent1"/>
-          </a:fillRef>
-          <a:effectRef idx="0">
-            <a:schemeClr val="accent1"/>
-          </a:effectRef>
-          <a:fontRef idx="minor">
-            <a:schemeClr val="lt1"/>
-          </a:fontRef>
-        </p:style>
-        <p:txBody>
-          <a:bodyPr rtlCol="0" anchor="ctr"/>
-          <a:lstStyle>
-            <a:extLst/>
-          </a:lstStyle>
-          <a:p>
-            <a:pPr algn="ctr" eaLnBrk="1" latinLnBrk="0" hangingPunct="1"/>
-            <a:endParaRPr kumimoji="0" lang="en-US"/>
-          </a:p>
-        </p:txBody>
-      </p:sp>
-      <p:sp>
-        <p:nvSpPr>
-          <p:cNvPr id="12" name="Rectangle 11"/>
-          <p:cNvSpPr/>
-          <p:nvPr/>
-        </p:nvSpPr>
-        <p:spPr bwMode="invGray">
-          <a:xfrm>
-            <a:off x="0" y="2602520"/>
-            <a:ext cx="9144000" cy="45720"/>
-          </a:xfrm>
-          <a:prstGeom prst="rect">
-            <a:avLst/>
-          </a:prstGeom>
-          <a:solidFill>
-            <a:srgbClr val="FFFFFF"/>
-          </a:solidFill>
-          <a:ln w="48000" cap="flat" cmpd="thickThin" algn="ctr">
-            <a:noFill/>
-            <a:prstDash val="solid"/>
-          </a:ln>
-          <a:effectLst>
-            <a:outerShdw blurRad="31750" dist="10160" dir="5400000" algn="tl" rotWithShape="0">
-              <a:srgbClr val="000000">
-                <a:alpha val="60000"/>
-              </a:srgbClr>
-            </a:outerShdw>
-          </a:effectLst>
-        </p:spPr>
-        <p:style>
-          <a:lnRef idx="2">
-            <a:schemeClr val="accent1"/>
-          </a:lnRef>
-          <a:fillRef idx="1">
-            <a:schemeClr val="accent1"/>
-          </a:fillRef>
-          <a:effectRef idx="0">
-            <a:schemeClr val="accent1"/>
-          </a:effectRef>
-          <a:fontRef idx="minor">
-            <a:schemeClr val="lt1"/>
-          </a:fontRef>
-        </p:style>
-        <p:txBody>
-          <a:bodyPr rtlCol="0" anchor="ctr"/>
-          <a:lstStyle>
-            <a:extLst/>
-          </a:lstStyle>
-          <a:p>
-            <a:pPr algn="ctr" eaLnBrk="1" latinLnBrk="0" hangingPunct="1"/>
-            <a:endParaRPr kumimoji="0" lang="en-US"/>
-          </a:p>
-        </p:txBody>
-      </p:sp>
-      <p:sp>
-        <p:nvSpPr>
-          <p:cNvPr id="2" name="Title 1"/>
+          <p:cNvPr id="2" name="標題 1"/>
           <p:cNvSpPr>
             <a:spLocks noGrp="1"/>
           </p:cNvSpPr>
@@ -1231,41 +917,29 @@
         </p:nvSpPr>
         <p:spPr>
           <a:xfrm>
-            <a:off x="749808" y="118872"/>
-            <a:ext cx="8013192" cy="1636776"/>
+            <a:off x="963084" y="4406901"/>
+            <a:ext cx="10363200" cy="1362075"/>
           </a:xfrm>
         </p:spPr>
         <p:txBody>
-          <a:bodyPr vert="horz" lIns="91440" tIns="0" rIns="91440" bIns="0" rtlCol="0" anchor="b">
-            <a:normAutofit/>
-            <a:scene3d>
-              <a:camera prst="orthographicFront"/>
-              <a:lightRig rig="threePt" dir="t">
-                <a:rot lat="0" lon="0" rev="4800000"/>
-              </a:lightRig>
-            </a:scene3d>
-            <a:sp3d prstMaterial="matte">
-              <a:bevelT w="50800" h="10160"/>
-            </a:sp3d>
-          </a:bodyPr>
+          <a:bodyPr anchor="t"/>
           <a:lstStyle>
             <a:lvl1pPr algn="l">
-              <a:defRPr sz="4700" b="1" cap="none" baseline="0"/>
+              <a:defRPr sz="4000" b="1" cap="all"/>
             </a:lvl1pPr>
-            <a:extLst/>
           </a:lstStyle>
           <a:p>
             <a:r>
-              <a:rPr kumimoji="0" lang="zh-TW" altLang="en-US" smtClean="0"/>
-              <a:t>按一下以編輯母片標題樣式</a:t>
-            </a:r>
-            <a:endParaRPr kumimoji="0" lang="en-US"/>
-          </a:p>
-        </p:txBody>
-      </p:sp>
-      <p:sp>
-        <p:nvSpPr>
-          <p:cNvPr id="3" name="Text Placeholder 2"/>
+              <a:rPr lang="en-US" altLang="zh-TW" smtClean="0"/>
+              <a:t>Click to edit Master title style</a:t>
+            </a:r>
+            <a:endParaRPr lang="zh-TW" altLang="en-US"/>
+          </a:p>
+        </p:txBody>
+      </p:sp>
+      <p:sp>
+        <p:nvSpPr>
+          <p:cNvPr id="3" name="文字版面配置區 2"/>
           <p:cNvSpPr>
             <a:spLocks noGrp="1"/>
           </p:cNvSpPr>
@@ -1275,18 +949,20 @@
         </p:nvSpPr>
         <p:spPr>
           <a:xfrm>
-            <a:off x="740664" y="1828800"/>
-            <a:ext cx="8022336" cy="685800"/>
+            <a:off x="963084" y="2906713"/>
+            <a:ext cx="10363200" cy="1500187"/>
           </a:xfrm>
         </p:spPr>
         <p:txBody>
-          <a:bodyPr lIns="146304" tIns="0" rIns="45720" bIns="0" anchor="t"/>
+          <a:bodyPr anchor="b"/>
           <a:lstStyle>
             <a:lvl1pPr marL="0" indent="0">
               <a:buNone/>
               <a:defRPr sz="2000">
                 <a:solidFill>
-                  <a:srgbClr val="FFFFFF"/>
+                  <a:schemeClr val="tx1">
+                    <a:tint val="75000"/>
+                  </a:schemeClr>
                 </a:solidFill>
               </a:defRPr>
             </a:lvl1pPr>
@@ -1370,20 +1046,19 @@
                 </a:solidFill>
               </a:defRPr>
             </a:lvl9pPr>
-            <a:extLst/>
           </a:lstStyle>
           <a:p>
-            <a:pPr lvl="0" eaLnBrk="1" latinLnBrk="0" hangingPunct="1"/>
-            <a:r>
-              <a:rPr kumimoji="0" lang="zh-TW" altLang="en-US" smtClean="0"/>
-              <a:t>按一下以編輯母片文字樣式</a:t>
-            </a:r>
-          </a:p>
-        </p:txBody>
-      </p:sp>
-      <p:sp>
-        <p:nvSpPr>
-          <p:cNvPr id="4" name="Date Placeholder 3"/>
+            <a:pPr lvl="0"/>
+            <a:r>
+              <a:rPr lang="en-US" altLang="zh-TW" smtClean="0"/>
+              <a:t>Edit Master text styles</a:t>
+            </a:r>
+          </a:p>
+        </p:txBody>
+      </p:sp>
+      <p:sp>
+        <p:nvSpPr>
+          <p:cNvPr id="4" name="日期版面配置區 3"/>
           <p:cNvSpPr>
             <a:spLocks noGrp="1"/>
           </p:cNvSpPr>
@@ -1398,7 +1073,7 @@
           <a:p>
             <a:fld id="{53986D1C-D428-4C90-B2C4-4A2D283BBC11}" type="datetimeFigureOut">
               <a:rPr lang="zh-TW" altLang="en-US" smtClean="0"/>
-              <a:t>2013/6/1</a:t>
+              <a:t>2020/1/11</a:t>
             </a:fld>
             <a:endParaRPr lang="zh-TW" altLang="en-US"/>
           </a:p>
@@ -1406,7 +1081,7 @@
       </p:sp>
       <p:sp>
         <p:nvSpPr>
-          <p:cNvPr id="5" name="Footer Placeholder 4"/>
+          <p:cNvPr id="5" name="頁尾版面配置區 4"/>
           <p:cNvSpPr>
             <a:spLocks noGrp="1"/>
           </p:cNvSpPr>
@@ -1425,7 +1100,7 @@
       </p:sp>
       <p:sp>
         <p:nvSpPr>
-          <p:cNvPr id="6" name="Slide Number Placeholder 5"/>
+          <p:cNvPr id="6" name="投影片編號版面配置區 5"/>
           <p:cNvSpPr>
             <a:spLocks noGrp="1"/>
           </p:cNvSpPr>
@@ -1447,9 +1122,14 @@
         </p:txBody>
       </p:sp>
     </p:spTree>
+    <p:extLst>
+      <p:ext uri="{BB962C8B-B14F-4D97-AF65-F5344CB8AC3E}">
+        <p14:creationId xmlns:p14="http://schemas.microsoft.com/office/powerpoint/2010/main" val="1702747070"/>
+      </p:ext>
+    </p:extLst>
   </p:cSld>
   <p:clrMapOvr>
-    <a:overrideClrMapping bg1="dk1" tx1="lt1" bg2="dk2" tx2="lt2" accent1="accent1" accent2="accent2" accent3="accent3" accent4="accent4" accent5="accent5" accent6="accent6" hlink="hlink" folHlink="folHlink"/>
+    <a:masterClrMapping/>
   </p:clrMapOvr>
 </p:sldLayout>
 </file>
@@ -1473,7 +1153,7 @@
       </p:grpSpPr>
       <p:sp>
         <p:nvSpPr>
-          <p:cNvPr id="2" name="Title 1"/>
+          <p:cNvPr id="2" name="標題 1"/>
           <p:cNvSpPr>
             <a:spLocks noGrp="1"/>
           </p:cNvSpPr>
@@ -1484,21 +1164,19 @@
         <p:spPr/>
         <p:txBody>
           <a:bodyPr/>
-          <a:lstStyle>
-            <a:extLst/>
-          </a:lstStyle>
-          <a:p>
-            <a:r>
-              <a:rPr kumimoji="0" lang="zh-TW" altLang="en-US" smtClean="0"/>
-              <a:t>按一下以編輯母片標題樣式</a:t>
-            </a:r>
-            <a:endParaRPr kumimoji="0" lang="en-US"/>
-          </a:p>
-        </p:txBody>
-      </p:sp>
-      <p:sp>
-        <p:nvSpPr>
-          <p:cNvPr id="3" name="Content Placeholder 2"/>
+          <a:lstStyle/>
+          <a:p>
+            <a:r>
+              <a:rPr lang="en-US" altLang="zh-TW" smtClean="0"/>
+              <a:t>Click to edit Master title style</a:t>
+            </a:r>
+            <a:endParaRPr lang="zh-TW" altLang="en-US"/>
+          </a:p>
+        </p:txBody>
+      </p:sp>
+      <p:sp>
+        <p:nvSpPr>
+          <p:cNvPr id="3" name="內容版面配置區 2"/>
           <p:cNvSpPr>
             <a:spLocks noGrp="1"/>
           </p:cNvSpPr>
@@ -1508,12 +1186,12 @@
         </p:nvSpPr>
         <p:spPr>
           <a:xfrm>
-            <a:off x="457200" y="1773936"/>
-            <a:ext cx="4038600" cy="4623816"/>
+            <a:off x="609600" y="1600201"/>
+            <a:ext cx="5384800" cy="4525963"/>
           </a:xfrm>
         </p:spPr>
         <p:txBody>
-          <a:bodyPr lIns="91440"/>
+          <a:bodyPr/>
           <a:lstStyle>
             <a:lvl1pPr>
               <a:defRPr sz="2800"/>
@@ -1542,49 +1220,48 @@
             <a:lvl9pPr>
               <a:defRPr sz="1800"/>
             </a:lvl9pPr>
-            <a:extLst/>
           </a:lstStyle>
           <a:p>
-            <a:pPr lvl="0" eaLnBrk="1" latinLnBrk="0" hangingPunct="1"/>
-            <a:r>
-              <a:rPr lang="zh-TW" altLang="en-US" smtClean="0"/>
-              <a:t>按一下以編輯母片文字樣式</a:t>
-            </a:r>
-          </a:p>
-          <a:p>
-            <a:pPr lvl="1" eaLnBrk="1" latinLnBrk="0" hangingPunct="1"/>
-            <a:r>
-              <a:rPr lang="zh-TW" altLang="en-US" smtClean="0"/>
-              <a:t>第二層</a:t>
-            </a:r>
-          </a:p>
-          <a:p>
-            <a:pPr lvl="2" eaLnBrk="1" latinLnBrk="0" hangingPunct="1"/>
-            <a:r>
-              <a:rPr lang="zh-TW" altLang="en-US" smtClean="0"/>
-              <a:t>第三層</a:t>
-            </a:r>
-          </a:p>
-          <a:p>
-            <a:pPr lvl="3" eaLnBrk="1" latinLnBrk="0" hangingPunct="1"/>
-            <a:r>
-              <a:rPr lang="zh-TW" altLang="en-US" smtClean="0"/>
-              <a:t>第四層</a:t>
-            </a:r>
-          </a:p>
-          <a:p>
-            <a:pPr lvl="4" eaLnBrk="1" latinLnBrk="0" hangingPunct="1"/>
-            <a:r>
-              <a:rPr lang="zh-TW" altLang="en-US" smtClean="0"/>
-              <a:t>第五層</a:t>
-            </a:r>
-            <a:endParaRPr kumimoji="0" lang="en-US"/>
-          </a:p>
-        </p:txBody>
-      </p:sp>
-      <p:sp>
-        <p:nvSpPr>
-          <p:cNvPr id="4" name="Content Placeholder 3"/>
+            <a:pPr lvl="0"/>
+            <a:r>
+              <a:rPr lang="en-US" altLang="zh-TW" smtClean="0"/>
+              <a:t>Edit Master text styles</a:t>
+            </a:r>
+          </a:p>
+          <a:p>
+            <a:pPr lvl="1"/>
+            <a:r>
+              <a:rPr lang="en-US" altLang="zh-TW" smtClean="0"/>
+              <a:t>Second level</a:t>
+            </a:r>
+          </a:p>
+          <a:p>
+            <a:pPr lvl="2"/>
+            <a:r>
+              <a:rPr lang="en-US" altLang="zh-TW" smtClean="0"/>
+              <a:t>Third level</a:t>
+            </a:r>
+          </a:p>
+          <a:p>
+            <a:pPr lvl="3"/>
+            <a:r>
+              <a:rPr lang="en-US" altLang="zh-TW" smtClean="0"/>
+              <a:t>Fourth level</a:t>
+            </a:r>
+          </a:p>
+          <a:p>
+            <a:pPr lvl="4"/>
+            <a:r>
+              <a:rPr lang="en-US" altLang="zh-TW" smtClean="0"/>
+              <a:t>Fifth level</a:t>
+            </a:r>
+            <a:endParaRPr lang="zh-TW" altLang="en-US"/>
+          </a:p>
+        </p:txBody>
+      </p:sp>
+      <p:sp>
+        <p:nvSpPr>
+          <p:cNvPr id="4" name="內容版面配置區 3"/>
           <p:cNvSpPr>
             <a:spLocks noGrp="1"/>
           </p:cNvSpPr>
@@ -1594,8 +1271,8 @@
         </p:nvSpPr>
         <p:spPr>
           <a:xfrm>
-            <a:off x="4648200" y="1773936"/>
-            <a:ext cx="4038600" cy="4623816"/>
+            <a:off x="6197600" y="1600201"/>
+            <a:ext cx="5384800" cy="4525963"/>
           </a:xfrm>
         </p:spPr>
         <p:txBody>
@@ -1628,49 +1305,48 @@
             <a:lvl9pPr>
               <a:defRPr sz="1800"/>
             </a:lvl9pPr>
-            <a:extLst/>
           </a:lstStyle>
           <a:p>
-            <a:pPr lvl="0" eaLnBrk="1" latinLnBrk="0" hangingPunct="1"/>
-            <a:r>
-              <a:rPr lang="zh-TW" altLang="en-US" smtClean="0"/>
-              <a:t>按一下以編輯母片文字樣式</a:t>
-            </a:r>
-          </a:p>
-          <a:p>
-            <a:pPr lvl="1" eaLnBrk="1" latinLnBrk="0" hangingPunct="1"/>
-            <a:r>
-              <a:rPr lang="zh-TW" altLang="en-US" smtClean="0"/>
-              <a:t>第二層</a:t>
-            </a:r>
-          </a:p>
-          <a:p>
-            <a:pPr lvl="2" eaLnBrk="1" latinLnBrk="0" hangingPunct="1"/>
-            <a:r>
-              <a:rPr lang="zh-TW" altLang="en-US" smtClean="0"/>
-              <a:t>第三層</a:t>
-            </a:r>
-          </a:p>
-          <a:p>
-            <a:pPr lvl="3" eaLnBrk="1" latinLnBrk="0" hangingPunct="1"/>
-            <a:r>
-              <a:rPr lang="zh-TW" altLang="en-US" smtClean="0"/>
-              <a:t>第四層</a:t>
-            </a:r>
-          </a:p>
-          <a:p>
-            <a:pPr lvl="4" eaLnBrk="1" latinLnBrk="0" hangingPunct="1"/>
-            <a:r>
-              <a:rPr lang="zh-TW" altLang="en-US" smtClean="0"/>
-              <a:t>第五層</a:t>
-            </a:r>
-            <a:endParaRPr kumimoji="0" lang="en-US"/>
-          </a:p>
-        </p:txBody>
-      </p:sp>
-      <p:sp>
-        <p:nvSpPr>
-          <p:cNvPr id="5" name="Date Placeholder 4"/>
+            <a:pPr lvl="0"/>
+            <a:r>
+              <a:rPr lang="en-US" altLang="zh-TW" smtClean="0"/>
+              <a:t>Edit Master text styles</a:t>
+            </a:r>
+          </a:p>
+          <a:p>
+            <a:pPr lvl="1"/>
+            <a:r>
+              <a:rPr lang="en-US" altLang="zh-TW" smtClean="0"/>
+              <a:t>Second level</a:t>
+            </a:r>
+          </a:p>
+          <a:p>
+            <a:pPr lvl="2"/>
+            <a:r>
+              <a:rPr lang="en-US" altLang="zh-TW" smtClean="0"/>
+              <a:t>Third level</a:t>
+            </a:r>
+          </a:p>
+          <a:p>
+            <a:pPr lvl="3"/>
+            <a:r>
+              <a:rPr lang="en-US" altLang="zh-TW" smtClean="0"/>
+              <a:t>Fourth level</a:t>
+            </a:r>
+          </a:p>
+          <a:p>
+            <a:pPr lvl="4"/>
+            <a:r>
+              <a:rPr lang="en-US" altLang="zh-TW" smtClean="0"/>
+              <a:t>Fifth level</a:t>
+            </a:r>
+            <a:endParaRPr lang="zh-TW" altLang="en-US"/>
+          </a:p>
+        </p:txBody>
+      </p:sp>
+      <p:sp>
+        <p:nvSpPr>
+          <p:cNvPr id="5" name="日期版面配置區 4"/>
           <p:cNvSpPr>
             <a:spLocks noGrp="1"/>
           </p:cNvSpPr>
@@ -1685,7 +1361,7 @@
           <a:p>
             <a:fld id="{53986D1C-D428-4C90-B2C4-4A2D283BBC11}" type="datetimeFigureOut">
               <a:rPr lang="zh-TW" altLang="en-US" smtClean="0"/>
-              <a:t>2013/6/1</a:t>
+              <a:t>2020/1/11</a:t>
             </a:fld>
             <a:endParaRPr lang="zh-TW" altLang="en-US"/>
           </a:p>
@@ -1693,7 +1369,7 @@
       </p:sp>
       <p:sp>
         <p:nvSpPr>
-          <p:cNvPr id="6" name="Footer Placeholder 5"/>
+          <p:cNvPr id="6" name="頁尾版面配置區 5"/>
           <p:cNvSpPr>
             <a:spLocks noGrp="1"/>
           </p:cNvSpPr>
@@ -1712,7 +1388,7 @@
       </p:sp>
       <p:sp>
         <p:nvSpPr>
-          <p:cNvPr id="7" name="Slide Number Placeholder 6"/>
+          <p:cNvPr id="7" name="投影片編號版面配置區 6"/>
           <p:cNvSpPr>
             <a:spLocks noGrp="1"/>
           </p:cNvSpPr>
@@ -1734,6 +1410,11 @@
         </p:txBody>
       </p:sp>
     </p:spTree>
+    <p:extLst>
+      <p:ext uri="{BB962C8B-B14F-4D97-AF65-F5344CB8AC3E}">
+        <p14:creationId xmlns:p14="http://schemas.microsoft.com/office/powerpoint/2010/main" val="1935325342"/>
+      </p:ext>
+    </p:extLst>
   </p:cSld>
   <p:clrMapOvr>
     <a:masterClrMapping/>
@@ -1760,7 +1441,7 @@
       </p:grpSpPr>
       <p:sp>
         <p:nvSpPr>
-          <p:cNvPr id="2" name="Title 1"/>
+          <p:cNvPr id="2" name="標題 1"/>
           <p:cNvSpPr>
             <a:spLocks noGrp="1"/>
           </p:cNvSpPr>
@@ -1775,20 +1456,19 @@
             <a:lvl1pPr>
               <a:defRPr/>
             </a:lvl1pPr>
-            <a:extLst/>
           </a:lstStyle>
           <a:p>
             <a:r>
-              <a:rPr kumimoji="0" lang="zh-TW" altLang="en-US" smtClean="0"/>
-              <a:t>按一下以編輯母片標題樣式</a:t>
-            </a:r>
-            <a:endParaRPr kumimoji="0" lang="en-US"/>
-          </a:p>
-        </p:txBody>
-      </p:sp>
-      <p:sp>
-        <p:nvSpPr>
-          <p:cNvPr id="3" name="Text Placeholder 2"/>
+              <a:rPr lang="en-US" altLang="zh-TW" smtClean="0"/>
+              <a:t>Click to edit Master title style</a:t>
+            </a:r>
+            <a:endParaRPr lang="zh-TW" altLang="en-US"/>
+          </a:p>
+        </p:txBody>
+      </p:sp>
+      <p:sp>
+        <p:nvSpPr>
+          <p:cNvPr id="3" name="文字版面配置區 2"/>
           <p:cNvSpPr>
             <a:spLocks noGrp="1"/>
           </p:cNvSpPr>
@@ -1798,16 +1478,16 @@
         </p:nvSpPr>
         <p:spPr>
           <a:xfrm>
-            <a:off x="457200" y="1698987"/>
-            <a:ext cx="4040188" cy="715355"/>
+            <a:off x="609600" y="1535113"/>
+            <a:ext cx="5386917" cy="639762"/>
           </a:xfrm>
         </p:spPr>
         <p:txBody>
-          <a:bodyPr lIns="146304" anchor="ctr"/>
+          <a:bodyPr anchor="b"/>
           <a:lstStyle>
             <a:lvl1pPr marL="0" indent="0">
               <a:buNone/>
-              <a:defRPr sz="2300" b="1" cap="all" baseline="0"/>
+              <a:defRPr sz="2400" b="1"/>
             </a:lvl1pPr>
             <a:lvl2pPr marL="457200" indent="0">
               <a:buNone/>
@@ -1841,20 +1521,19 @@
               <a:buNone/>
               <a:defRPr sz="1600" b="1"/>
             </a:lvl9pPr>
-            <a:extLst/>
           </a:lstStyle>
           <a:p>
-            <a:pPr lvl="0" eaLnBrk="1" latinLnBrk="0" hangingPunct="1"/>
-            <a:r>
-              <a:rPr kumimoji="0" lang="zh-TW" altLang="en-US" smtClean="0"/>
-              <a:t>按一下以編輯母片文字樣式</a:t>
-            </a:r>
-          </a:p>
-        </p:txBody>
-      </p:sp>
-      <p:sp>
-        <p:nvSpPr>
-          <p:cNvPr id="4" name="Content Placeholder 3"/>
+            <a:pPr lvl="0"/>
+            <a:r>
+              <a:rPr lang="en-US" altLang="zh-TW" smtClean="0"/>
+              <a:t>Edit Master text styles</a:t>
+            </a:r>
+          </a:p>
+        </p:txBody>
+      </p:sp>
+      <p:sp>
+        <p:nvSpPr>
+          <p:cNvPr id="4" name="內容版面配置區 3"/>
           <p:cNvSpPr>
             <a:spLocks noGrp="1"/>
           </p:cNvSpPr>
@@ -1864,8 +1543,8 @@
         </p:nvSpPr>
         <p:spPr>
           <a:xfrm>
-            <a:off x="457200" y="2449512"/>
-            <a:ext cx="4040188" cy="3951288"/>
+            <a:off x="609600" y="2174875"/>
+            <a:ext cx="5386917" cy="3951288"/>
           </a:xfrm>
         </p:spPr>
         <p:txBody>
@@ -1898,49 +1577,48 @@
             <a:lvl9pPr>
               <a:defRPr sz="1600"/>
             </a:lvl9pPr>
-            <a:extLst/>
           </a:lstStyle>
           <a:p>
-            <a:pPr lvl="0" eaLnBrk="1" latinLnBrk="0" hangingPunct="1"/>
-            <a:r>
-              <a:rPr lang="zh-TW" altLang="en-US" smtClean="0"/>
-              <a:t>按一下以編輯母片文字樣式</a:t>
-            </a:r>
-          </a:p>
-          <a:p>
-            <a:pPr lvl="1" eaLnBrk="1" latinLnBrk="0" hangingPunct="1"/>
-            <a:r>
-              <a:rPr lang="zh-TW" altLang="en-US" smtClean="0"/>
-              <a:t>第二層</a:t>
-            </a:r>
-          </a:p>
-          <a:p>
-            <a:pPr lvl="2" eaLnBrk="1" latinLnBrk="0" hangingPunct="1"/>
-            <a:r>
-              <a:rPr lang="zh-TW" altLang="en-US" smtClean="0"/>
-              <a:t>第三層</a:t>
-            </a:r>
-          </a:p>
-          <a:p>
-            <a:pPr lvl="3" eaLnBrk="1" latinLnBrk="0" hangingPunct="1"/>
-            <a:r>
-              <a:rPr lang="zh-TW" altLang="en-US" smtClean="0"/>
-              <a:t>第四層</a:t>
-            </a:r>
-          </a:p>
-          <a:p>
-            <a:pPr lvl="4" eaLnBrk="1" latinLnBrk="0" hangingPunct="1"/>
-            <a:r>
-              <a:rPr lang="zh-TW" altLang="en-US" smtClean="0"/>
-              <a:t>第五層</a:t>
-            </a:r>
-            <a:endParaRPr kumimoji="0" lang="en-US"/>
-          </a:p>
-        </p:txBody>
-      </p:sp>
-      <p:sp>
-        <p:nvSpPr>
-          <p:cNvPr id="5" name="Text Placeholder 4"/>
+            <a:pPr lvl="0"/>
+            <a:r>
+              <a:rPr lang="en-US" altLang="zh-TW" smtClean="0"/>
+              <a:t>Edit Master text styles</a:t>
+            </a:r>
+          </a:p>
+          <a:p>
+            <a:pPr lvl="1"/>
+            <a:r>
+              <a:rPr lang="en-US" altLang="zh-TW" smtClean="0"/>
+              <a:t>Second level</a:t>
+            </a:r>
+          </a:p>
+          <a:p>
+            <a:pPr lvl="2"/>
+            <a:r>
+              <a:rPr lang="en-US" altLang="zh-TW" smtClean="0"/>
+              <a:t>Third level</a:t>
+            </a:r>
+          </a:p>
+          <a:p>
+            <a:pPr lvl="3"/>
+            <a:r>
+              <a:rPr lang="en-US" altLang="zh-TW" smtClean="0"/>
+              <a:t>Fourth level</a:t>
+            </a:r>
+          </a:p>
+          <a:p>
+            <a:pPr lvl="4"/>
+            <a:r>
+              <a:rPr lang="en-US" altLang="zh-TW" smtClean="0"/>
+              <a:t>Fifth level</a:t>
+            </a:r>
+            <a:endParaRPr lang="zh-TW" altLang="en-US"/>
+          </a:p>
+        </p:txBody>
+      </p:sp>
+      <p:sp>
+        <p:nvSpPr>
+          <p:cNvPr id="5" name="文字版面配置區 4"/>
           <p:cNvSpPr>
             <a:spLocks noGrp="1"/>
           </p:cNvSpPr>
@@ -1950,16 +1628,16 @@
         </p:nvSpPr>
         <p:spPr>
           <a:xfrm>
-            <a:off x="4645025" y="1698987"/>
-            <a:ext cx="4041775" cy="715355"/>
+            <a:off x="6193368" y="1535113"/>
+            <a:ext cx="5389033" cy="639762"/>
           </a:xfrm>
         </p:spPr>
         <p:txBody>
-          <a:bodyPr lIns="146304" anchor="ctr"/>
+          <a:bodyPr anchor="b"/>
           <a:lstStyle>
             <a:lvl1pPr marL="0" indent="0">
               <a:buNone/>
-              <a:defRPr sz="2300" b="1" cap="all" baseline="0"/>
+              <a:defRPr sz="2400" b="1"/>
             </a:lvl1pPr>
             <a:lvl2pPr marL="457200" indent="0">
               <a:buNone/>
@@ -1993,20 +1671,19 @@
               <a:buNone/>
               <a:defRPr sz="1600" b="1"/>
             </a:lvl9pPr>
-            <a:extLst/>
           </a:lstStyle>
           <a:p>
-            <a:pPr lvl="0" eaLnBrk="1" latinLnBrk="0" hangingPunct="1"/>
-            <a:r>
-              <a:rPr kumimoji="0" lang="zh-TW" altLang="en-US" smtClean="0"/>
-              <a:t>按一下以編輯母片文字樣式</a:t>
-            </a:r>
-          </a:p>
-        </p:txBody>
-      </p:sp>
-      <p:sp>
-        <p:nvSpPr>
-          <p:cNvPr id="6" name="Content Placeholder 5"/>
+            <a:pPr lvl="0"/>
+            <a:r>
+              <a:rPr lang="en-US" altLang="zh-TW" smtClean="0"/>
+              <a:t>Edit Master text styles</a:t>
+            </a:r>
+          </a:p>
+        </p:txBody>
+      </p:sp>
+      <p:sp>
+        <p:nvSpPr>
+          <p:cNvPr id="6" name="內容版面配置區 5"/>
           <p:cNvSpPr>
             <a:spLocks noGrp="1"/>
           </p:cNvSpPr>
@@ -2016,8 +1693,8 @@
         </p:nvSpPr>
         <p:spPr>
           <a:xfrm>
-            <a:off x="4645025" y="2449512"/>
-            <a:ext cx="4041775" cy="3951288"/>
+            <a:off x="6193368" y="2174875"/>
+            <a:ext cx="5389033" cy="3951288"/>
           </a:xfrm>
         </p:spPr>
         <p:txBody>
@@ -2050,49 +1727,48 @@
             <a:lvl9pPr>
               <a:defRPr sz="1600"/>
             </a:lvl9pPr>
-            <a:extLst/>
           </a:lstStyle>
           <a:p>
-            <a:pPr lvl="0" eaLnBrk="1" latinLnBrk="0" hangingPunct="1"/>
-            <a:r>
-              <a:rPr lang="zh-TW" altLang="en-US" smtClean="0"/>
-              <a:t>按一下以編輯母片文字樣式</a:t>
-            </a:r>
-          </a:p>
-          <a:p>
-            <a:pPr lvl="1" eaLnBrk="1" latinLnBrk="0" hangingPunct="1"/>
-            <a:r>
-              <a:rPr lang="zh-TW" altLang="en-US" smtClean="0"/>
-              <a:t>第二層</a:t>
-            </a:r>
-          </a:p>
-          <a:p>
-            <a:pPr lvl="2" eaLnBrk="1" latinLnBrk="0" hangingPunct="1"/>
-            <a:r>
-              <a:rPr lang="zh-TW" altLang="en-US" smtClean="0"/>
-              <a:t>第三層</a:t>
-            </a:r>
-          </a:p>
-          <a:p>
-            <a:pPr lvl="3" eaLnBrk="1" latinLnBrk="0" hangingPunct="1"/>
-            <a:r>
-              <a:rPr lang="zh-TW" altLang="en-US" smtClean="0"/>
-              <a:t>第四層</a:t>
-            </a:r>
-          </a:p>
-          <a:p>
-            <a:pPr lvl="4" eaLnBrk="1" latinLnBrk="0" hangingPunct="1"/>
-            <a:r>
-              <a:rPr lang="zh-TW" altLang="en-US" smtClean="0"/>
-              <a:t>第五層</a:t>
-            </a:r>
-            <a:endParaRPr kumimoji="0" lang="en-US"/>
-          </a:p>
-        </p:txBody>
-      </p:sp>
-      <p:sp>
-        <p:nvSpPr>
-          <p:cNvPr id="7" name="Date Placeholder 6"/>
+            <a:pPr lvl="0"/>
+            <a:r>
+              <a:rPr lang="en-US" altLang="zh-TW" smtClean="0"/>
+              <a:t>Edit Master text styles</a:t>
+            </a:r>
+          </a:p>
+          <a:p>
+            <a:pPr lvl="1"/>
+            <a:r>
+              <a:rPr lang="en-US" altLang="zh-TW" smtClean="0"/>
+              <a:t>Second level</a:t>
+            </a:r>
+          </a:p>
+          <a:p>
+            <a:pPr lvl="2"/>
+            <a:r>
+              <a:rPr lang="en-US" altLang="zh-TW" smtClean="0"/>
+              <a:t>Third level</a:t>
+            </a:r>
+          </a:p>
+          <a:p>
+            <a:pPr lvl="3"/>
+            <a:r>
+              <a:rPr lang="en-US" altLang="zh-TW" smtClean="0"/>
+              <a:t>Fourth level</a:t>
+            </a:r>
+          </a:p>
+          <a:p>
+            <a:pPr lvl="4"/>
+            <a:r>
+              <a:rPr lang="en-US" altLang="zh-TW" smtClean="0"/>
+              <a:t>Fifth level</a:t>
+            </a:r>
+            <a:endParaRPr lang="zh-TW" altLang="en-US"/>
+          </a:p>
+        </p:txBody>
+      </p:sp>
+      <p:sp>
+        <p:nvSpPr>
+          <p:cNvPr id="7" name="日期版面配置區 6"/>
           <p:cNvSpPr>
             <a:spLocks noGrp="1"/>
           </p:cNvSpPr>
@@ -2107,7 +1783,7 @@
           <a:p>
             <a:fld id="{53986D1C-D428-4C90-B2C4-4A2D283BBC11}" type="datetimeFigureOut">
               <a:rPr lang="zh-TW" altLang="en-US" smtClean="0"/>
-              <a:t>2013/6/1</a:t>
+              <a:t>2020/1/11</a:t>
             </a:fld>
             <a:endParaRPr lang="zh-TW" altLang="en-US"/>
           </a:p>
@@ -2115,7 +1791,7 @@
       </p:sp>
       <p:sp>
         <p:nvSpPr>
-          <p:cNvPr id="8" name="Footer Placeholder 7"/>
+          <p:cNvPr id="8" name="頁尾版面配置區 7"/>
           <p:cNvSpPr>
             <a:spLocks noGrp="1"/>
           </p:cNvSpPr>
@@ -2134,7 +1810,7 @@
       </p:sp>
       <p:sp>
         <p:nvSpPr>
-          <p:cNvPr id="9" name="Slide Number Placeholder 8"/>
+          <p:cNvPr id="9" name="投影片編號版面配置區 8"/>
           <p:cNvSpPr>
             <a:spLocks noGrp="1"/>
           </p:cNvSpPr>
@@ -2156,6 +1832,11 @@
         </p:txBody>
       </p:sp>
     </p:spTree>
+    <p:extLst>
+      <p:ext uri="{BB962C8B-B14F-4D97-AF65-F5344CB8AC3E}">
+        <p14:creationId xmlns:p14="http://schemas.microsoft.com/office/powerpoint/2010/main" val="704511153"/>
+      </p:ext>
+    </p:extLst>
   </p:cSld>
   <p:clrMapOvr>
     <a:masterClrMapping/>
@@ -2182,7 +1863,7 @@
       </p:grpSpPr>
       <p:sp>
         <p:nvSpPr>
-          <p:cNvPr id="2" name="Title 1"/>
+          <p:cNvPr id="2" name="標題 1"/>
           <p:cNvSpPr>
             <a:spLocks noGrp="1"/>
           </p:cNvSpPr>
@@ -2193,21 +1874,19 @@
         <p:spPr/>
         <p:txBody>
           <a:bodyPr/>
-          <a:lstStyle>
-            <a:extLst/>
-          </a:lstStyle>
-          <a:p>
-            <a:r>
-              <a:rPr kumimoji="0" lang="zh-TW" altLang="en-US" smtClean="0"/>
-              <a:t>按一下以編輯母片標題樣式</a:t>
-            </a:r>
-            <a:endParaRPr kumimoji="0" lang="en-US"/>
-          </a:p>
-        </p:txBody>
-      </p:sp>
-      <p:sp>
-        <p:nvSpPr>
-          <p:cNvPr id="3" name="Date Placeholder 2"/>
+          <a:lstStyle/>
+          <a:p>
+            <a:r>
+              <a:rPr lang="en-US" altLang="zh-TW" smtClean="0"/>
+              <a:t>Click to edit Master title style</a:t>
+            </a:r>
+            <a:endParaRPr lang="zh-TW" altLang="en-US"/>
+          </a:p>
+        </p:txBody>
+      </p:sp>
+      <p:sp>
+        <p:nvSpPr>
+          <p:cNvPr id="3" name="日期版面配置區 2"/>
           <p:cNvSpPr>
             <a:spLocks noGrp="1"/>
           </p:cNvSpPr>
@@ -2222,7 +1901,7 @@
           <a:p>
             <a:fld id="{53986D1C-D428-4C90-B2C4-4A2D283BBC11}" type="datetimeFigureOut">
               <a:rPr lang="zh-TW" altLang="en-US" smtClean="0"/>
-              <a:t>2013/6/1</a:t>
+              <a:t>2020/1/11</a:t>
             </a:fld>
             <a:endParaRPr lang="zh-TW" altLang="en-US"/>
           </a:p>
@@ -2230,7 +1909,7 @@
       </p:sp>
       <p:sp>
         <p:nvSpPr>
-          <p:cNvPr id="4" name="Footer Placeholder 3"/>
+          <p:cNvPr id="4" name="頁尾版面配置區 3"/>
           <p:cNvSpPr>
             <a:spLocks noGrp="1"/>
           </p:cNvSpPr>
@@ -2249,7 +1928,7 @@
       </p:sp>
       <p:sp>
         <p:nvSpPr>
-          <p:cNvPr id="5" name="Slide Number Placeholder 4"/>
+          <p:cNvPr id="5" name="投影片編號版面配置區 4"/>
           <p:cNvSpPr>
             <a:spLocks noGrp="1"/>
           </p:cNvSpPr>
@@ -2271,6 +1950,11 @@
         </p:txBody>
       </p:sp>
     </p:spTree>
+    <p:extLst>
+      <p:ext uri="{BB962C8B-B14F-4D97-AF65-F5344CB8AC3E}">
+        <p14:creationId xmlns:p14="http://schemas.microsoft.com/office/powerpoint/2010/main" val="3000544229"/>
+      </p:ext>
+    </p:extLst>
   </p:cSld>
   <p:clrMapOvr>
     <a:masterClrMapping/>
@@ -2279,7 +1963,7 @@
 </file>
 
 <file path=ppt/slideLayouts/slideLayout7.xml><?xml version="1.0" encoding="utf-8"?>
-<p:sldLayout xmlns:a="http://schemas.openxmlformats.org/drawingml/2006/main" xmlns:r="http://schemas.openxmlformats.org/officeDocument/2006/relationships" xmlns:p="http://schemas.openxmlformats.org/presentationml/2006/main" showMasterSp="0" type="blank" preserve="1">
+<p:sldLayout xmlns:a="http://schemas.openxmlformats.org/drawingml/2006/main" xmlns:r="http://schemas.openxmlformats.org/officeDocument/2006/relationships" xmlns:p="http://schemas.openxmlformats.org/presentationml/2006/main" type="blank" preserve="1">
   <p:cSld name="空白">
     <p:spTree>
       <p:nvGrpSpPr>
@@ -2297,7 +1981,7 @@
       </p:grpSpPr>
       <p:sp>
         <p:nvSpPr>
-          <p:cNvPr id="2" name="Date Placeholder 1"/>
+          <p:cNvPr id="2" name="日期版面配置區 1"/>
           <p:cNvSpPr>
             <a:spLocks noGrp="1"/>
           </p:cNvSpPr>
@@ -2312,7 +1996,7 @@
           <a:p>
             <a:fld id="{53986D1C-D428-4C90-B2C4-4A2D283BBC11}" type="datetimeFigureOut">
               <a:rPr lang="zh-TW" altLang="en-US" smtClean="0"/>
-              <a:t>2013/6/1</a:t>
+              <a:t>2020/1/11</a:t>
             </a:fld>
             <a:endParaRPr lang="zh-TW" altLang="en-US"/>
           </a:p>
@@ -2320,7 +2004,7 @@
       </p:sp>
       <p:sp>
         <p:nvSpPr>
-          <p:cNvPr id="3" name="Footer Placeholder 2"/>
+          <p:cNvPr id="3" name="頁尾版面配置區 2"/>
           <p:cNvSpPr>
             <a:spLocks noGrp="1"/>
           </p:cNvSpPr>
@@ -2339,7 +2023,7 @@
       </p:sp>
       <p:sp>
         <p:nvSpPr>
-          <p:cNvPr id="4" name="Slide Number Placeholder 3"/>
+          <p:cNvPr id="4" name="投影片編號版面配置區 3"/>
           <p:cNvSpPr>
             <a:spLocks noGrp="1"/>
           </p:cNvSpPr>
@@ -2361,6 +2045,11 @@
         </p:txBody>
       </p:sp>
     </p:spTree>
+    <p:extLst>
+      <p:ext uri="{BB962C8B-B14F-4D97-AF65-F5344CB8AC3E}">
+        <p14:creationId xmlns:p14="http://schemas.microsoft.com/office/powerpoint/2010/main" val="1925623158"/>
+      </p:ext>
+    </p:extLst>
   </p:cSld>
   <p:clrMapOvr>
     <a:masterClrMapping/>
@@ -2387,7 +2076,7 @@
       </p:grpSpPr>
       <p:sp>
         <p:nvSpPr>
-          <p:cNvPr id="2" name="Title 1"/>
+          <p:cNvPr id="2" name="標題 1"/>
           <p:cNvSpPr>
             <a:spLocks noGrp="1"/>
           </p:cNvSpPr>
@@ -2397,33 +2086,29 @@
         </p:nvSpPr>
         <p:spPr>
           <a:xfrm>
-            <a:off x="167838" y="152400"/>
-            <a:ext cx="2523744" cy="978408"/>
+            <a:off x="609601" y="273050"/>
+            <a:ext cx="4011084" cy="1162050"/>
           </a:xfrm>
         </p:spPr>
         <p:txBody>
-          <a:bodyPr vert="horz" lIns="73152" rIns="45720" bIns="0" rtlCol="0" anchor="b">
-            <a:normAutofit/>
-            <a:sp3d prstMaterial="matte"/>
-          </a:bodyPr>
+          <a:bodyPr anchor="b"/>
           <a:lstStyle>
             <a:lvl1pPr algn="l">
-              <a:defRPr sz="2000" b="0"/>
+              <a:defRPr sz="2000" b="1"/>
             </a:lvl1pPr>
-            <a:extLst/>
           </a:lstStyle>
           <a:p>
             <a:r>
-              <a:rPr kumimoji="0" lang="zh-TW" altLang="en-US" smtClean="0"/>
-              <a:t>按一下以編輯母片標題樣式</a:t>
-            </a:r>
-            <a:endParaRPr kumimoji="0" lang="en-US"/>
-          </a:p>
-        </p:txBody>
-      </p:sp>
-      <p:sp>
-        <p:nvSpPr>
-          <p:cNvPr id="3" name="Content Placeholder 2"/>
+              <a:rPr lang="en-US" altLang="zh-TW" smtClean="0"/>
+              <a:t>Click to edit Master title style</a:t>
+            </a:r>
+            <a:endParaRPr lang="zh-TW" altLang="en-US"/>
+          </a:p>
+        </p:txBody>
+      </p:sp>
+      <p:sp>
+        <p:nvSpPr>
+          <p:cNvPr id="3" name="內容版面配置區 2"/>
           <p:cNvSpPr>
             <a:spLocks noGrp="1"/>
           </p:cNvSpPr>
@@ -2433,8 +2118,8 @@
         </p:nvSpPr>
         <p:spPr>
           <a:xfrm>
-            <a:off x="3019377" y="1743133"/>
-            <a:ext cx="5920641" cy="4558885"/>
+            <a:off x="4766733" y="273051"/>
+            <a:ext cx="6815667" cy="5853113"/>
           </a:xfrm>
         </p:spPr>
         <p:txBody>
@@ -2467,49 +2152,48 @@
             <a:lvl9pPr>
               <a:defRPr sz="2000"/>
             </a:lvl9pPr>
-            <a:extLst/>
           </a:lstStyle>
           <a:p>
-            <a:pPr lvl="0" eaLnBrk="1" latinLnBrk="0" hangingPunct="1"/>
-            <a:r>
-              <a:rPr lang="zh-TW" altLang="en-US" smtClean="0"/>
-              <a:t>按一下以編輯母片文字樣式</a:t>
-            </a:r>
-          </a:p>
-          <a:p>
-            <a:pPr lvl="1" eaLnBrk="1" latinLnBrk="0" hangingPunct="1"/>
-            <a:r>
-              <a:rPr lang="zh-TW" altLang="en-US" smtClean="0"/>
-              <a:t>第二層</a:t>
-            </a:r>
-          </a:p>
-          <a:p>
-            <a:pPr lvl="2" eaLnBrk="1" latinLnBrk="0" hangingPunct="1"/>
-            <a:r>
-              <a:rPr lang="zh-TW" altLang="en-US" smtClean="0"/>
-              <a:t>第三層</a:t>
-            </a:r>
-          </a:p>
-          <a:p>
-            <a:pPr lvl="3" eaLnBrk="1" latinLnBrk="0" hangingPunct="1"/>
-            <a:r>
-              <a:rPr lang="zh-TW" altLang="en-US" smtClean="0"/>
-              <a:t>第四層</a:t>
-            </a:r>
-          </a:p>
-          <a:p>
-            <a:pPr lvl="4" eaLnBrk="1" latinLnBrk="0" hangingPunct="1"/>
-            <a:r>
-              <a:rPr lang="zh-TW" altLang="en-US" smtClean="0"/>
-              <a:t>第五層</a:t>
-            </a:r>
-            <a:endParaRPr kumimoji="0" lang="en-US"/>
-          </a:p>
-        </p:txBody>
-      </p:sp>
-      <p:sp>
-        <p:nvSpPr>
-          <p:cNvPr id="4" name="Text Placeholder 3"/>
+            <a:pPr lvl="0"/>
+            <a:r>
+              <a:rPr lang="en-US" altLang="zh-TW" smtClean="0"/>
+              <a:t>Edit Master text styles</a:t>
+            </a:r>
+          </a:p>
+          <a:p>
+            <a:pPr lvl="1"/>
+            <a:r>
+              <a:rPr lang="en-US" altLang="zh-TW" smtClean="0"/>
+              <a:t>Second level</a:t>
+            </a:r>
+          </a:p>
+          <a:p>
+            <a:pPr lvl="2"/>
+            <a:r>
+              <a:rPr lang="en-US" altLang="zh-TW" smtClean="0"/>
+              <a:t>Third level</a:t>
+            </a:r>
+          </a:p>
+          <a:p>
+            <a:pPr lvl="3"/>
+            <a:r>
+              <a:rPr lang="en-US" altLang="zh-TW" smtClean="0"/>
+              <a:t>Fourth level</a:t>
+            </a:r>
+          </a:p>
+          <a:p>
+            <a:pPr lvl="4"/>
+            <a:r>
+              <a:rPr lang="en-US" altLang="zh-TW" smtClean="0"/>
+              <a:t>Fifth level</a:t>
+            </a:r>
+            <a:endParaRPr lang="zh-TW" altLang="en-US"/>
+          </a:p>
+        </p:txBody>
+      </p:sp>
+      <p:sp>
+        <p:nvSpPr>
+          <p:cNvPr id="4" name="文字版面配置區 3"/>
           <p:cNvSpPr>
             <a:spLocks noGrp="1"/>
           </p:cNvSpPr>
@@ -2519,8 +2203,8 @@
         </p:nvSpPr>
         <p:spPr>
           <a:xfrm>
-            <a:off x="167838" y="1730018"/>
-            <a:ext cx="2468880" cy="4572000"/>
+            <a:off x="609601" y="1435101"/>
+            <a:ext cx="4011084" cy="4691063"/>
           </a:xfrm>
         </p:spPr>
         <p:txBody>
@@ -2562,20 +2246,19 @@
               <a:buNone/>
               <a:defRPr sz="900"/>
             </a:lvl9pPr>
-            <a:extLst/>
           </a:lstStyle>
           <a:p>
-            <a:pPr lvl="0" eaLnBrk="1" latinLnBrk="0" hangingPunct="1"/>
-            <a:r>
-              <a:rPr kumimoji="0" lang="zh-TW" altLang="en-US" smtClean="0"/>
-              <a:t>按一下以編輯母片文字樣式</a:t>
-            </a:r>
-          </a:p>
-        </p:txBody>
-      </p:sp>
-      <p:sp>
-        <p:nvSpPr>
-          <p:cNvPr id="5" name="Date Placeholder 4"/>
+            <a:pPr lvl="0"/>
+            <a:r>
+              <a:rPr lang="en-US" altLang="zh-TW" smtClean="0"/>
+              <a:t>Edit Master text styles</a:t>
+            </a:r>
+          </a:p>
+        </p:txBody>
+      </p:sp>
+      <p:sp>
+        <p:nvSpPr>
+          <p:cNvPr id="5" name="日期版面配置區 4"/>
           <p:cNvSpPr>
             <a:spLocks noGrp="1"/>
           </p:cNvSpPr>
@@ -2590,7 +2273,7 @@
           <a:p>
             <a:fld id="{53986D1C-D428-4C90-B2C4-4A2D283BBC11}" type="datetimeFigureOut">
               <a:rPr lang="zh-TW" altLang="en-US" smtClean="0"/>
-              <a:t>2013/6/1</a:t>
+              <a:t>2020/1/11</a:t>
             </a:fld>
             <a:endParaRPr lang="zh-TW" altLang="en-US"/>
           </a:p>
@@ -2598,7 +2281,7 @@
       </p:sp>
       <p:sp>
         <p:nvSpPr>
-          <p:cNvPr id="6" name="Footer Placeholder 5"/>
+          <p:cNvPr id="6" name="頁尾版面配置區 5"/>
           <p:cNvSpPr>
             <a:spLocks noGrp="1"/>
           </p:cNvSpPr>
@@ -2617,7 +2300,7 @@
       </p:sp>
       <p:sp>
         <p:nvSpPr>
-          <p:cNvPr id="7" name="Slide Number Placeholder 6"/>
+          <p:cNvPr id="7" name="投影片編號版面配置區 6"/>
           <p:cNvSpPr>
             <a:spLocks noGrp="1"/>
           </p:cNvSpPr>
@@ -2638,101 +2321,12 @@
           </a:p>
         </p:txBody>
       </p:sp>
-      <p:sp>
-        <p:nvSpPr>
-          <p:cNvPr id="12" name="Rectangle 11"/>
-          <p:cNvSpPr/>
-          <p:nvPr/>
-        </p:nvSpPr>
-        <p:spPr bwMode="invGray">
-          <a:xfrm>
-            <a:off x="2855737" y="0"/>
-            <a:ext cx="45720" cy="1453896"/>
-          </a:xfrm>
-          <a:prstGeom prst="rect">
-            <a:avLst/>
-          </a:prstGeom>
-          <a:solidFill>
-            <a:srgbClr val="FFFFFF"/>
-          </a:solidFill>
-          <a:ln w="48000" cap="flat" cmpd="thickThin" algn="ctr">
-            <a:noFill/>
-            <a:prstDash val="solid"/>
-          </a:ln>
-        </p:spPr>
-        <p:style>
-          <a:lnRef idx="2">
-            <a:schemeClr val="accent1"/>
-          </a:lnRef>
-          <a:fillRef idx="1">
-            <a:schemeClr val="accent1"/>
-          </a:fillRef>
-          <a:effectRef idx="0">
-            <a:schemeClr val="accent1"/>
-          </a:effectRef>
-          <a:fontRef idx="minor">
-            <a:schemeClr val="lt1"/>
-          </a:fontRef>
-        </p:style>
-        <p:txBody>
-          <a:bodyPr rtlCol="0" anchor="ctr"/>
-          <a:lstStyle>
-            <a:extLst/>
-          </a:lstStyle>
-          <a:p>
-            <a:pPr algn="ctr" eaLnBrk="1" latinLnBrk="0" hangingPunct="1"/>
-            <a:endParaRPr kumimoji="0" lang="en-US"/>
-          </a:p>
-        </p:txBody>
-      </p:sp>
-      <p:sp>
-        <p:nvSpPr>
-          <p:cNvPr id="9" name="Rectangle 8"/>
-          <p:cNvSpPr/>
-          <p:nvPr/>
-        </p:nvSpPr>
-        <p:spPr bwMode="invGray">
-          <a:xfrm>
-            <a:off x="2855737" y="0"/>
-            <a:ext cx="45720" cy="1453896"/>
-          </a:xfrm>
-          <a:prstGeom prst="rect">
-            <a:avLst/>
-          </a:prstGeom>
-          <a:solidFill>
-            <a:srgbClr val="FFFFFF"/>
-          </a:solidFill>
-          <a:ln w="48000" cap="flat" cmpd="thickThin" algn="ctr">
-            <a:noFill/>
-            <a:prstDash val="solid"/>
-          </a:ln>
-        </p:spPr>
-        <p:style>
-          <a:lnRef idx="2">
-            <a:schemeClr val="accent1"/>
-          </a:lnRef>
-          <a:fillRef idx="1">
-            <a:schemeClr val="accent1"/>
-          </a:fillRef>
-          <a:effectRef idx="0">
-            <a:schemeClr val="accent1"/>
-          </a:effectRef>
-          <a:fontRef idx="minor">
-            <a:schemeClr val="lt1"/>
-          </a:fontRef>
-        </p:style>
-        <p:txBody>
-          <a:bodyPr rtlCol="0" anchor="ctr"/>
-          <a:lstStyle>
-            <a:extLst/>
-          </a:lstStyle>
-          <a:p>
-            <a:pPr algn="ctr" eaLnBrk="1" latinLnBrk="0" hangingPunct="1"/>
-            <a:endParaRPr kumimoji="0" lang="en-US"/>
-          </a:p>
-        </p:txBody>
-      </p:sp>
     </p:spTree>
+    <p:extLst>
+      <p:ext uri="{BB962C8B-B14F-4D97-AF65-F5344CB8AC3E}">
+        <p14:creationId xmlns:p14="http://schemas.microsoft.com/office/powerpoint/2010/main" val="2504120835"/>
+      </p:ext>
+    </p:extLst>
   </p:cSld>
   <p:clrMapOvr>
     <a:masterClrMapping/>
@@ -2743,10 +2337,272 @@
 <file path=ppt/slideLayouts/slideLayout9.xml><?xml version="1.0" encoding="utf-8"?>
 <p:sldLayout xmlns:a="http://schemas.openxmlformats.org/drawingml/2006/main" xmlns:r="http://schemas.openxmlformats.org/officeDocument/2006/relationships" xmlns:p="http://schemas.openxmlformats.org/presentationml/2006/main" type="picTx" preserve="1">
   <p:cSld name="含標題的圖片">
+    <p:spTree>
+      <p:nvGrpSpPr>
+        <p:cNvPr id="1" name=""/>
+        <p:cNvGrpSpPr/>
+        <p:nvPr/>
+      </p:nvGrpSpPr>
+      <p:grpSpPr>
+        <a:xfrm>
+          <a:off x="0" y="0"/>
+          <a:ext cx="0" cy="0"/>
+          <a:chOff x="0" y="0"/>
+          <a:chExt cx="0" cy="0"/>
+        </a:xfrm>
+      </p:grpSpPr>
+      <p:sp>
+        <p:nvSpPr>
+          <p:cNvPr id="2" name="標題 1"/>
+          <p:cNvSpPr>
+            <a:spLocks noGrp="1"/>
+          </p:cNvSpPr>
+          <p:nvPr>
+            <p:ph type="title"/>
+          </p:nvPr>
+        </p:nvSpPr>
+        <p:spPr>
+          <a:xfrm>
+            <a:off x="2389717" y="4800600"/>
+            <a:ext cx="7315200" cy="566738"/>
+          </a:xfrm>
+        </p:spPr>
+        <p:txBody>
+          <a:bodyPr anchor="b"/>
+          <a:lstStyle>
+            <a:lvl1pPr algn="l">
+              <a:defRPr sz="2000" b="1"/>
+            </a:lvl1pPr>
+          </a:lstStyle>
+          <a:p>
+            <a:r>
+              <a:rPr lang="en-US" altLang="zh-TW" smtClean="0"/>
+              <a:t>Click to edit Master title style</a:t>
+            </a:r>
+            <a:endParaRPr lang="zh-TW" altLang="en-US"/>
+          </a:p>
+        </p:txBody>
+      </p:sp>
+      <p:sp>
+        <p:nvSpPr>
+          <p:cNvPr id="3" name="圖片版面配置區 2"/>
+          <p:cNvSpPr>
+            <a:spLocks noGrp="1"/>
+          </p:cNvSpPr>
+          <p:nvPr>
+            <p:ph type="pic" idx="1"/>
+          </p:nvPr>
+        </p:nvSpPr>
+        <p:spPr>
+          <a:xfrm>
+            <a:off x="2389717" y="612775"/>
+            <a:ext cx="7315200" cy="4114800"/>
+          </a:xfrm>
+        </p:spPr>
+        <p:txBody>
+          <a:bodyPr/>
+          <a:lstStyle>
+            <a:lvl1pPr marL="0" indent="0">
+              <a:buNone/>
+              <a:defRPr sz="3200"/>
+            </a:lvl1pPr>
+            <a:lvl2pPr marL="457200" indent="0">
+              <a:buNone/>
+              <a:defRPr sz="2800"/>
+            </a:lvl2pPr>
+            <a:lvl3pPr marL="914400" indent="0">
+              <a:buNone/>
+              <a:defRPr sz="2400"/>
+            </a:lvl3pPr>
+            <a:lvl4pPr marL="1371600" indent="0">
+              <a:buNone/>
+              <a:defRPr sz="2000"/>
+            </a:lvl4pPr>
+            <a:lvl5pPr marL="1828800" indent="0">
+              <a:buNone/>
+              <a:defRPr sz="2000"/>
+            </a:lvl5pPr>
+            <a:lvl6pPr marL="2286000" indent="0">
+              <a:buNone/>
+              <a:defRPr sz="2000"/>
+            </a:lvl6pPr>
+            <a:lvl7pPr marL="2743200" indent="0">
+              <a:buNone/>
+              <a:defRPr sz="2000"/>
+            </a:lvl7pPr>
+            <a:lvl8pPr marL="3200400" indent="0">
+              <a:buNone/>
+              <a:defRPr sz="2000"/>
+            </a:lvl8pPr>
+            <a:lvl9pPr marL="3657600" indent="0">
+              <a:buNone/>
+              <a:defRPr sz="2000"/>
+            </a:lvl9pPr>
+          </a:lstStyle>
+          <a:p>
+            <a:r>
+              <a:rPr lang="en-US" altLang="zh-TW" smtClean="0"/>
+              <a:t>Click icon to add picture</a:t>
+            </a:r>
+            <a:endParaRPr lang="zh-TW" altLang="en-US"/>
+          </a:p>
+        </p:txBody>
+      </p:sp>
+      <p:sp>
+        <p:nvSpPr>
+          <p:cNvPr id="4" name="文字版面配置區 3"/>
+          <p:cNvSpPr>
+            <a:spLocks noGrp="1"/>
+          </p:cNvSpPr>
+          <p:nvPr>
+            <p:ph type="body" sz="half" idx="2"/>
+          </p:nvPr>
+        </p:nvSpPr>
+        <p:spPr>
+          <a:xfrm>
+            <a:off x="2389717" y="5367338"/>
+            <a:ext cx="7315200" cy="804862"/>
+          </a:xfrm>
+        </p:spPr>
+        <p:txBody>
+          <a:bodyPr/>
+          <a:lstStyle>
+            <a:lvl1pPr marL="0" indent="0">
+              <a:buNone/>
+              <a:defRPr sz="1400"/>
+            </a:lvl1pPr>
+            <a:lvl2pPr marL="457200" indent="0">
+              <a:buNone/>
+              <a:defRPr sz="1200"/>
+            </a:lvl2pPr>
+            <a:lvl3pPr marL="914400" indent="0">
+              <a:buNone/>
+              <a:defRPr sz="1000"/>
+            </a:lvl3pPr>
+            <a:lvl4pPr marL="1371600" indent="0">
+              <a:buNone/>
+              <a:defRPr sz="900"/>
+            </a:lvl4pPr>
+            <a:lvl5pPr marL="1828800" indent="0">
+              <a:buNone/>
+              <a:defRPr sz="900"/>
+            </a:lvl5pPr>
+            <a:lvl6pPr marL="2286000" indent="0">
+              <a:buNone/>
+              <a:defRPr sz="900"/>
+            </a:lvl6pPr>
+            <a:lvl7pPr marL="2743200" indent="0">
+              <a:buNone/>
+              <a:defRPr sz="900"/>
+            </a:lvl7pPr>
+            <a:lvl8pPr marL="3200400" indent="0">
+              <a:buNone/>
+              <a:defRPr sz="900"/>
+            </a:lvl8pPr>
+            <a:lvl9pPr marL="3657600" indent="0">
+              <a:buNone/>
+              <a:defRPr sz="900"/>
+            </a:lvl9pPr>
+          </a:lstStyle>
+          <a:p>
+            <a:pPr lvl="0"/>
+            <a:r>
+              <a:rPr lang="en-US" altLang="zh-TW" smtClean="0"/>
+              <a:t>Edit Master text styles</a:t>
+            </a:r>
+          </a:p>
+        </p:txBody>
+      </p:sp>
+      <p:sp>
+        <p:nvSpPr>
+          <p:cNvPr id="5" name="日期版面配置區 4"/>
+          <p:cNvSpPr>
+            <a:spLocks noGrp="1"/>
+          </p:cNvSpPr>
+          <p:nvPr>
+            <p:ph type="dt" sz="half" idx="10"/>
+          </p:nvPr>
+        </p:nvSpPr>
+        <p:spPr/>
+        <p:txBody>
+          <a:bodyPr/>
+          <a:lstStyle/>
+          <a:p>
+            <a:fld id="{53986D1C-D428-4C90-B2C4-4A2D283BBC11}" type="datetimeFigureOut">
+              <a:rPr lang="zh-TW" altLang="en-US" smtClean="0"/>
+              <a:t>2020/1/11</a:t>
+            </a:fld>
+            <a:endParaRPr lang="zh-TW" altLang="en-US"/>
+          </a:p>
+        </p:txBody>
+      </p:sp>
+      <p:sp>
+        <p:nvSpPr>
+          <p:cNvPr id="6" name="頁尾版面配置區 5"/>
+          <p:cNvSpPr>
+            <a:spLocks noGrp="1"/>
+          </p:cNvSpPr>
+          <p:nvPr>
+            <p:ph type="ftr" sz="quarter" idx="11"/>
+          </p:nvPr>
+        </p:nvSpPr>
+        <p:spPr/>
+        <p:txBody>
+          <a:bodyPr/>
+          <a:lstStyle/>
+          <a:p>
+            <a:endParaRPr lang="zh-TW" altLang="en-US"/>
+          </a:p>
+        </p:txBody>
+      </p:sp>
+      <p:sp>
+        <p:nvSpPr>
+          <p:cNvPr id="7" name="投影片編號版面配置區 6"/>
+          <p:cNvSpPr>
+            <a:spLocks noGrp="1"/>
+          </p:cNvSpPr>
+          <p:nvPr>
+            <p:ph type="sldNum" sz="quarter" idx="12"/>
+          </p:nvPr>
+        </p:nvSpPr>
+        <p:spPr/>
+        <p:txBody>
+          <a:bodyPr/>
+          <a:lstStyle/>
+          <a:p>
+            <a:fld id="{7DB2F222-CE3A-4871-9C30-DAAA399A17A3}" type="slidenum">
+              <a:rPr lang="zh-TW" altLang="en-US" smtClean="0"/>
+              <a:t>‹#›</a:t>
+            </a:fld>
+            <a:endParaRPr lang="zh-TW" altLang="en-US"/>
+          </a:p>
+        </p:txBody>
+      </p:sp>
+    </p:spTree>
+    <p:extLst>
+      <p:ext uri="{BB962C8B-B14F-4D97-AF65-F5344CB8AC3E}">
+        <p14:creationId xmlns:p14="http://schemas.microsoft.com/office/powerpoint/2010/main" val="286907193"/>
+      </p:ext>
+    </p:extLst>
+  </p:cSld>
+  <p:clrMapOvr>
+    <a:masterClrMapping/>
+  </p:clrMapOvr>
+</p:sldLayout>
+</file>
+
+<file path=ppt/slideMasters/slideMaster1.xml><?xml version="1.0" encoding="utf-8"?>
+<p:sldMaster xmlns:a="http://schemas.openxmlformats.org/drawingml/2006/main" xmlns:r="http://schemas.openxmlformats.org/officeDocument/2006/relationships" xmlns:p="http://schemas.openxmlformats.org/presentationml/2006/main">
+  <p:cSld>
     <p:bg>
-      <p:bgRef idx="1001">
-        <a:schemeClr val="bg2"/>
-      </p:bgRef>
+      <p:bgPr>
+        <a:blipFill dpi="0" rotWithShape="1">
+          <a:blip r:embed="rId13"/>
+          <a:srcRect/>
+          <a:tile tx="0" ty="0" sx="100000" sy="100000" flip="none" algn="tl"/>
+        </a:blipFill>
+        <a:effectLst/>
+      </p:bgPr>
     </p:bg>
     <p:spTree>
       <p:nvGrpSpPr>
@@ -2764,7 +2620,7 @@
       </p:grpSpPr>
       <p:sp>
         <p:nvSpPr>
-          <p:cNvPr id="2" name="Title 1"/>
+          <p:cNvPr id="2" name="標題版面配置區 1"/>
           <p:cNvSpPr>
             <a:spLocks noGrp="1"/>
           </p:cNvSpPr>
@@ -2774,701 +2630,198 @@
         </p:nvSpPr>
         <p:spPr>
           <a:xfrm>
-            <a:off x="164592" y="155448"/>
-            <a:ext cx="2525150" cy="978408"/>
-          </a:xfrm>
-        </p:spPr>
-        <p:txBody>
-          <a:bodyPr lIns="73152" bIns="0" anchor="b">
-            <a:sp3d prstMaterial="matte"/>
-          </a:bodyPr>
-          <a:lstStyle>
-            <a:lvl1pPr algn="l">
-              <a:defRPr sz="2000" b="0"/>
-            </a:lvl1pPr>
-            <a:extLst/>
-          </a:lstStyle>
-          <a:p>
-            <a:r>
-              <a:rPr kumimoji="0" lang="zh-TW" altLang="en-US" smtClean="0"/>
-              <a:t>按一下以編輯母片標題樣式</a:t>
-            </a:r>
-            <a:endParaRPr kumimoji="0" lang="en-US"/>
-          </a:p>
-        </p:txBody>
-      </p:sp>
-      <p:sp>
-        <p:nvSpPr>
-          <p:cNvPr id="3" name="Picture Placeholder 2"/>
-          <p:cNvSpPr>
-            <a:spLocks noGrp="1"/>
-          </p:cNvSpPr>
-          <p:nvPr>
-            <p:ph type="pic" idx="1"/>
-          </p:nvPr>
-        </p:nvSpPr>
-        <p:spPr>
-          <a:xfrm>
-            <a:off x="2903805" y="1484808"/>
-            <a:ext cx="6247397" cy="5373192"/>
-          </a:xfrm>
-          <a:solidFill>
-            <a:schemeClr val="bg2">
-              <a:shade val="75000"/>
-            </a:schemeClr>
-          </a:solidFill>
-        </p:spPr>
-        <p:txBody>
-          <a:bodyPr/>
-          <a:lstStyle>
-            <a:lvl1pPr marL="0" indent="0">
-              <a:buNone/>
-              <a:defRPr sz="3200"/>
-            </a:lvl1pPr>
-            <a:lvl2pPr marL="457200" indent="0">
-              <a:buNone/>
-              <a:defRPr sz="2800"/>
-            </a:lvl2pPr>
-            <a:lvl3pPr marL="914400" indent="0">
-              <a:buNone/>
-              <a:defRPr sz="2400"/>
-            </a:lvl3pPr>
-            <a:lvl4pPr marL="1371600" indent="0">
-              <a:buNone/>
-              <a:defRPr sz="2000"/>
-            </a:lvl4pPr>
-            <a:lvl5pPr marL="1828800" indent="0">
-              <a:buNone/>
-              <a:defRPr sz="2000"/>
-            </a:lvl5pPr>
-            <a:lvl6pPr marL="2286000" indent="0">
-              <a:buNone/>
-              <a:defRPr sz="2000"/>
-            </a:lvl6pPr>
-            <a:lvl7pPr marL="2743200" indent="0">
-              <a:buNone/>
-              <a:defRPr sz="2000"/>
-            </a:lvl7pPr>
-            <a:lvl8pPr marL="3200400" indent="0">
-              <a:buNone/>
-              <a:defRPr sz="2000"/>
-            </a:lvl8pPr>
-            <a:lvl9pPr marL="3657600" indent="0">
-              <a:buNone/>
-              <a:defRPr sz="2000"/>
-            </a:lvl9pPr>
-            <a:extLst/>
-          </a:lstStyle>
-          <a:p>
-            <a:r>
-              <a:rPr kumimoji="0" lang="zh-TW" altLang="en-US" smtClean="0"/>
-              <a:t>按一下圖示以新增圖片</a:t>
-            </a:r>
-            <a:endParaRPr kumimoji="0" lang="en-US" dirty="0"/>
-          </a:p>
-        </p:txBody>
-      </p:sp>
-      <p:sp>
-        <p:nvSpPr>
-          <p:cNvPr id="4" name="Text Placeholder 3"/>
-          <p:cNvSpPr>
-            <a:spLocks noGrp="1"/>
-          </p:cNvSpPr>
-          <p:nvPr>
-            <p:ph type="body" sz="half" idx="2"/>
-          </p:nvPr>
-        </p:nvSpPr>
-        <p:spPr>
-          <a:xfrm>
-            <a:off x="164592" y="1728216"/>
-            <a:ext cx="2468880" cy="4572000"/>
-          </a:xfrm>
-        </p:spPr>
-        <p:txBody>
-          <a:bodyPr/>
-          <a:lstStyle>
-            <a:lvl1pPr marL="0" indent="0">
-              <a:buNone/>
-              <a:defRPr sz="1400"/>
-            </a:lvl1pPr>
-            <a:lvl2pPr marL="457200" indent="0">
-              <a:buNone/>
-              <a:defRPr sz="1200"/>
-            </a:lvl2pPr>
-            <a:lvl3pPr marL="914400" indent="0">
-              <a:buNone/>
-              <a:defRPr sz="1000"/>
-            </a:lvl3pPr>
-            <a:lvl4pPr marL="1371600" indent="0">
-              <a:buNone/>
-              <a:defRPr sz="900"/>
-            </a:lvl4pPr>
-            <a:lvl5pPr marL="1828800" indent="0">
-              <a:buNone/>
-              <a:defRPr sz="900"/>
-            </a:lvl5pPr>
-            <a:lvl6pPr marL="2286000" indent="0">
-              <a:buNone/>
-              <a:defRPr sz="900"/>
-            </a:lvl6pPr>
-            <a:lvl7pPr marL="2743200" indent="0">
-              <a:buNone/>
-              <a:defRPr sz="900"/>
-            </a:lvl7pPr>
-            <a:lvl8pPr marL="3200400" indent="0">
-              <a:buNone/>
-              <a:defRPr sz="900"/>
-            </a:lvl8pPr>
-            <a:lvl9pPr marL="3657600" indent="0">
-              <a:buNone/>
-              <a:defRPr sz="900"/>
-            </a:lvl9pPr>
-            <a:extLst/>
-          </a:lstStyle>
-          <a:p>
-            <a:pPr lvl="0" eaLnBrk="1" latinLnBrk="0" hangingPunct="1"/>
-            <a:r>
-              <a:rPr kumimoji="0" lang="zh-TW" altLang="en-US" smtClean="0"/>
-              <a:t>按一下以編輯母片文字樣式</a:t>
-            </a:r>
-          </a:p>
-        </p:txBody>
-      </p:sp>
-      <p:sp>
-        <p:nvSpPr>
-          <p:cNvPr id="5" name="Date Placeholder 4"/>
-          <p:cNvSpPr>
-            <a:spLocks noGrp="1"/>
-          </p:cNvSpPr>
-          <p:nvPr>
-            <p:ph type="dt" sz="half" idx="10"/>
-          </p:nvPr>
-        </p:nvSpPr>
-        <p:spPr>
-          <a:xfrm>
-            <a:off x="164592" y="1170432"/>
-            <a:ext cx="2523744" cy="201168"/>
-          </a:xfrm>
-        </p:spPr>
-        <p:txBody>
-          <a:bodyPr/>
-          <a:lstStyle/>
-          <a:p>
-            <a:fld id="{53986D1C-D428-4C90-B2C4-4A2D283BBC11}" type="datetimeFigureOut">
-              <a:rPr lang="zh-TW" altLang="en-US" smtClean="0"/>
-              <a:t>2013/6/1</a:t>
-            </a:fld>
-            <a:endParaRPr lang="zh-TW" altLang="en-US"/>
-          </a:p>
-        </p:txBody>
-      </p:sp>
-      <p:sp>
-        <p:nvSpPr>
-          <p:cNvPr id="11" name="Rectangle 10"/>
-          <p:cNvSpPr/>
-          <p:nvPr/>
-        </p:nvSpPr>
-        <p:spPr>
-          <a:xfrm>
-            <a:off x="2855737" y="0"/>
-            <a:ext cx="45720" cy="6858000"/>
+            <a:off x="609600" y="274638"/>
+            <a:ext cx="10972800" cy="1143000"/>
           </a:xfrm>
           <a:prstGeom prst="rect">
             <a:avLst/>
           </a:prstGeom>
-          <a:solidFill>
-            <a:srgbClr val="FFFFFF"/>
-          </a:solidFill>
-          <a:ln w="48000" cap="flat" cmpd="thickThin" algn="ctr">
-            <a:noFill/>
-            <a:prstDash val="solid"/>
-          </a:ln>
         </p:spPr>
-        <p:style>
-          <a:lnRef idx="2">
-            <a:schemeClr val="accent1"/>
-          </a:lnRef>
-          <a:fillRef idx="1">
-            <a:schemeClr val="accent1"/>
-          </a:fillRef>
-          <a:effectRef idx="0">
-            <a:schemeClr val="accent1"/>
-          </a:effectRef>
-          <a:fontRef idx="minor">
-            <a:schemeClr val="lt1"/>
-          </a:fontRef>
-        </p:style>
-        <p:txBody>
-          <a:bodyPr rtlCol="0" anchor="ctr"/>
-          <a:lstStyle>
-            <a:extLst/>
-          </a:lstStyle>
-          <a:p>
-            <a:pPr algn="ctr" eaLnBrk="1" latinLnBrk="0" hangingPunct="1"/>
-            <a:endParaRPr kumimoji="0" lang="en-US"/>
-          </a:p>
-        </p:txBody>
-      </p:sp>
-      <p:sp>
-        <p:nvSpPr>
-          <p:cNvPr id="9" name="Rectangle 8"/>
-          <p:cNvSpPr/>
-          <p:nvPr/>
-        </p:nvSpPr>
-        <p:spPr bwMode="invGray">
+        <p:txBody>
+          <a:bodyPr vert="horz" lIns="91440" tIns="45720" rIns="91440" bIns="45720" rtlCol="0" anchor="ctr">
+            <a:normAutofit/>
+          </a:bodyPr>
+          <a:lstStyle/>
+          <a:p>
+            <a:r>
+              <a:rPr lang="zh-TW" altLang="en-US" smtClean="0"/>
+              <a:t>按一下以編輯母片標題樣式</a:t>
+            </a:r>
+            <a:endParaRPr lang="zh-TW" altLang="en-US"/>
+          </a:p>
+        </p:txBody>
+      </p:sp>
+      <p:sp>
+        <p:nvSpPr>
+          <p:cNvPr id="3" name="文字版面配置區 2"/>
+          <p:cNvSpPr>
+            <a:spLocks noGrp="1"/>
+          </p:cNvSpPr>
+          <p:nvPr>
+            <p:ph type="body" idx="1"/>
+          </p:nvPr>
+        </p:nvSpPr>
+        <p:spPr>
           <a:xfrm>
-            <a:off x="2855737" y="0"/>
-            <a:ext cx="45720" cy="6858000"/>
+            <a:off x="609600" y="1600201"/>
+            <a:ext cx="10972800" cy="4525963"/>
           </a:xfrm>
           <a:prstGeom prst="rect">
             <a:avLst/>
           </a:prstGeom>
-          <a:solidFill>
-            <a:srgbClr val="FFFFFF"/>
-          </a:solidFill>
-          <a:ln w="48000" cap="flat" cmpd="thickThin" algn="ctr">
-            <a:noFill/>
-            <a:prstDash val="solid"/>
-          </a:ln>
         </p:spPr>
-        <p:style>
-          <a:lnRef idx="2">
-            <a:schemeClr val="accent1"/>
-          </a:lnRef>
-          <a:fillRef idx="1">
-            <a:schemeClr val="accent1"/>
-          </a:fillRef>
-          <a:effectRef idx="0">
-            <a:schemeClr val="accent1"/>
-          </a:effectRef>
-          <a:fontRef idx="minor">
-            <a:schemeClr val="lt1"/>
-          </a:fontRef>
-        </p:style>
-        <p:txBody>
-          <a:bodyPr rtlCol="0" anchor="ctr"/>
-          <a:lstStyle>
-            <a:extLst/>
-          </a:lstStyle>
-          <a:p>
-            <a:pPr algn="ctr" eaLnBrk="1" latinLnBrk="0" hangingPunct="1"/>
-            <a:endParaRPr kumimoji="0" lang="en-US"/>
-          </a:p>
-        </p:txBody>
-      </p:sp>
-      <p:sp>
-        <p:nvSpPr>
-          <p:cNvPr id="6" name="Footer Placeholder 5"/>
-          <p:cNvSpPr>
-            <a:spLocks noGrp="1"/>
-          </p:cNvSpPr>
-          <p:nvPr>
-            <p:ph type="ftr" sz="quarter" idx="11"/>
+        <p:txBody>
+          <a:bodyPr vert="horz" lIns="91440" tIns="45720" rIns="91440" bIns="45720" rtlCol="0">
+            <a:normAutofit/>
+          </a:bodyPr>
+          <a:lstStyle/>
+          <a:p>
+            <a:pPr lvl="0"/>
+            <a:r>
+              <a:rPr lang="zh-TW" altLang="en-US" smtClean="0"/>
+              <a:t>按一下以編輯母片文字樣式</a:t>
+            </a:r>
+          </a:p>
+          <a:p>
+            <a:pPr lvl="1"/>
+            <a:r>
+              <a:rPr lang="zh-TW" altLang="en-US" smtClean="0"/>
+              <a:t>第二層</a:t>
+            </a:r>
+          </a:p>
+          <a:p>
+            <a:pPr lvl="2"/>
+            <a:r>
+              <a:rPr lang="zh-TW" altLang="en-US" smtClean="0"/>
+              <a:t>第三層</a:t>
+            </a:r>
+          </a:p>
+          <a:p>
+            <a:pPr lvl="3"/>
+            <a:r>
+              <a:rPr lang="zh-TW" altLang="en-US" smtClean="0"/>
+              <a:t>第四層</a:t>
+            </a:r>
+          </a:p>
+          <a:p>
+            <a:pPr lvl="4"/>
+            <a:r>
+              <a:rPr lang="zh-TW" altLang="en-US" smtClean="0"/>
+              <a:t>第五層</a:t>
+            </a:r>
+            <a:endParaRPr lang="zh-TW" altLang="en-US"/>
+          </a:p>
+        </p:txBody>
+      </p:sp>
+      <p:sp>
+        <p:nvSpPr>
+          <p:cNvPr id="4" name="日期版面配置區 3"/>
+          <p:cNvSpPr>
+            <a:spLocks noGrp="1"/>
+          </p:cNvSpPr>
+          <p:nvPr>
+            <p:ph type="dt" sz="half" idx="2"/>
           </p:nvPr>
         </p:nvSpPr>
         <p:spPr>
           <a:xfrm>
-            <a:off x="3035808" y="1170432"/>
-            <a:ext cx="5193792" cy="201168"/>
+            <a:off x="609600" y="6356351"/>
+            <a:ext cx="2844800" cy="365125"/>
           </a:xfrm>
+          <a:prstGeom prst="rect">
+            <a:avLst/>
+          </a:prstGeom>
         </p:spPr>
         <p:txBody>
-          <a:bodyPr/>
+          <a:bodyPr vert="horz" lIns="91440" tIns="45720" rIns="91440" bIns="45720" rtlCol="0" anchor="ctr"/>
           <a:lstStyle>
-            <a:lvl1pPr>
-              <a:defRPr>
+            <a:lvl1pPr algn="l">
+              <a:defRPr sz="1200">
                 <a:solidFill>
-                  <a:schemeClr val="bg1">
-                    <a:shade val="50000"/>
+                  <a:schemeClr val="tx1">
+                    <a:tint val="75000"/>
                   </a:schemeClr>
                 </a:solidFill>
               </a:defRPr>
             </a:lvl1pPr>
           </a:lstStyle>
           <a:p>
-            <a:endParaRPr lang="zh-TW" altLang="en-US"/>
-          </a:p>
-        </p:txBody>
-      </p:sp>
-      <p:sp>
-        <p:nvSpPr>
-          <p:cNvPr id="7" name="Slide Number Placeholder 6"/>
-          <p:cNvSpPr>
-            <a:spLocks noGrp="1"/>
-          </p:cNvSpPr>
-          <p:nvPr>
-            <p:ph type="sldNum" sz="quarter" idx="12"/>
+            <a:fld id="{53986D1C-D428-4C90-B2C4-4A2D283BBC11}" type="datetimeFigureOut">
+              <a:rPr lang="zh-TW" altLang="en-US" smtClean="0"/>
+              <a:t>2020/1/11</a:t>
+            </a:fld>
+            <a:endParaRPr lang="zh-TW" altLang="en-US"/>
+          </a:p>
+        </p:txBody>
+      </p:sp>
+      <p:sp>
+        <p:nvSpPr>
+          <p:cNvPr id="5" name="頁尾版面配置區 4"/>
+          <p:cNvSpPr>
+            <a:spLocks noGrp="1"/>
+          </p:cNvSpPr>
+          <p:nvPr>
+            <p:ph type="ftr" sz="quarter" idx="3"/>
           </p:nvPr>
         </p:nvSpPr>
         <p:spPr>
           <a:xfrm>
-            <a:off x="8339328" y="1170432"/>
-            <a:ext cx="733864" cy="201168"/>
-          </a:xfrm>
-        </p:spPr>
-        <p:txBody>
-          <a:bodyPr/>
-          <a:lstStyle/>
-          <a:p>
-            <a:fld id="{7DB2F222-CE3A-4871-9C30-DAAA399A17A3}" type="slidenum">
-              <a:rPr lang="zh-TW" altLang="en-US" smtClean="0"/>
-              <a:t>‹#›</a:t>
-            </a:fld>
-            <a:endParaRPr lang="zh-TW" altLang="en-US"/>
-          </a:p>
-        </p:txBody>
-      </p:sp>
-    </p:spTree>
-  </p:cSld>
-  <p:clrMapOvr>
-    <a:overrideClrMapping bg1="lt1" tx1="dk1" bg2="lt2" tx2="dk2" accent1="accent1" accent2="accent2" accent3="accent3" accent4="accent4" accent5="accent5" accent6="accent6" hlink="hlink" folHlink="folHlink"/>
-  </p:clrMapOvr>
-</p:sldLayout>
-</file>
-
-<file path=ppt/slideMasters/slideMaster1.xml><?xml version="1.0" encoding="utf-8"?>
-<p:sldMaster xmlns:a="http://schemas.openxmlformats.org/drawingml/2006/main" xmlns:r="http://schemas.openxmlformats.org/officeDocument/2006/relationships" xmlns:p="http://schemas.openxmlformats.org/presentationml/2006/main">
-  <p:cSld>
-    <p:bg>
-      <p:bgRef idx="1001">
-        <a:schemeClr val="bg1"/>
-      </p:bgRef>
-    </p:bg>
-    <p:spTree>
-      <p:nvGrpSpPr>
-        <p:cNvPr id="1" name=""/>
-        <p:cNvGrpSpPr/>
-        <p:nvPr/>
-      </p:nvGrpSpPr>
-      <p:grpSpPr>
-        <a:xfrm>
-          <a:off x="0" y="0"/>
-          <a:ext cx="0" cy="0"/>
-          <a:chOff x="0" y="0"/>
-          <a:chExt cx="0" cy="0"/>
-        </a:xfrm>
-      </p:grpSpPr>
-      <p:sp>
-        <p:nvSpPr>
-          <p:cNvPr id="10" name="Rectangle 9"/>
-          <p:cNvSpPr/>
-          <p:nvPr/>
-        </p:nvSpPr>
-        <p:spPr bwMode="invGray">
-          <a:xfrm>
-            <a:off x="0" y="1435895"/>
-            <a:ext cx="9144000" cy="45720"/>
-          </a:xfrm>
-          <a:prstGeom prst="rect">
-            <a:avLst/>
-          </a:prstGeom>
-          <a:solidFill>
-            <a:srgbClr val="FFFFFF"/>
-          </a:solidFill>
-          <a:ln w="48000" cap="flat" cmpd="thickThin" algn="ctr">
-            <a:noFill/>
-            <a:prstDash val="solid"/>
-          </a:ln>
-          <a:effectLst>
-            <a:outerShdw blurRad="31750" dist="10160" dir="5400000" algn="tl" rotWithShape="0">
-              <a:srgbClr val="000000">
-                <a:alpha val="60000"/>
-              </a:srgbClr>
-            </a:outerShdw>
-          </a:effectLst>
-        </p:spPr>
-        <p:style>
-          <a:lnRef idx="2">
-            <a:schemeClr val="accent1"/>
-          </a:lnRef>
-          <a:fillRef idx="1">
-            <a:schemeClr val="accent1"/>
-          </a:fillRef>
-          <a:effectRef idx="0">
-            <a:schemeClr val="accent1"/>
-          </a:effectRef>
-          <a:fontRef idx="minor">
-            <a:schemeClr val="lt1"/>
-          </a:fontRef>
-        </p:style>
-        <p:txBody>
-          <a:bodyPr rtlCol="0" anchor="ctr"/>
-          <a:lstStyle>
-            <a:extLst/>
-          </a:lstStyle>
-          <a:p>
-            <a:pPr algn="ctr" eaLnBrk="1" latinLnBrk="0" hangingPunct="1"/>
-            <a:endParaRPr kumimoji="0" lang="en-US"/>
-          </a:p>
-        </p:txBody>
-      </p:sp>
-      <p:sp>
-        <p:nvSpPr>
-          <p:cNvPr id="7" name="Rectangle 6"/>
-          <p:cNvSpPr/>
-          <p:nvPr/>
-        </p:nvSpPr>
-        <p:spPr bwMode="ltGray">
-          <a:xfrm>
-            <a:off x="0" y="0"/>
-            <a:ext cx="9143999" cy="1433733"/>
-          </a:xfrm>
-          <a:prstGeom prst="rect">
-            <a:avLst/>
-          </a:prstGeom>
-          <a:solidFill>
-            <a:srgbClr val="000000"/>
-          </a:solidFill>
-          <a:ln w="48000" cap="flat" cmpd="thickThin" algn="ctr">
-            <a:noFill/>
-            <a:prstDash val="solid"/>
-          </a:ln>
-        </p:spPr>
-        <p:style>
-          <a:lnRef idx="2">
-            <a:schemeClr val="accent1"/>
-          </a:lnRef>
-          <a:fillRef idx="1">
-            <a:schemeClr val="accent1"/>
-          </a:fillRef>
-          <a:effectRef idx="0">
-            <a:schemeClr val="accent1"/>
-          </a:effectRef>
-          <a:fontRef idx="minor">
-            <a:schemeClr val="lt1"/>
-          </a:fontRef>
-        </p:style>
-        <p:txBody>
-          <a:bodyPr rtlCol="0" anchor="ctr"/>
-          <a:lstStyle>
-            <a:extLst/>
-          </a:lstStyle>
-          <a:p>
-            <a:pPr algn="ctr" eaLnBrk="1" latinLnBrk="0" hangingPunct="1"/>
-            <a:endParaRPr kumimoji="0" lang="en-US"/>
-          </a:p>
-        </p:txBody>
-      </p:sp>
-      <p:sp>
-        <p:nvSpPr>
-          <p:cNvPr id="2" name="Title Placeholder 1"/>
-          <p:cNvSpPr>
-            <a:spLocks noGrp="1"/>
-          </p:cNvSpPr>
-          <p:nvPr>
-            <p:ph type="title"/>
-          </p:nvPr>
-        </p:nvSpPr>
-        <p:spPr>
-          <a:xfrm>
-            <a:off x="457200" y="152400"/>
-            <a:ext cx="8229600" cy="1251062"/>
+            <a:off x="4165600" y="6356351"/>
+            <a:ext cx="3860800" cy="365125"/>
           </a:xfrm>
           <a:prstGeom prst="rect">
             <a:avLst/>
           </a:prstGeom>
         </p:spPr>
         <p:txBody>
-          <a:bodyPr vert="horz" lIns="91440" rIns="45720" rtlCol="0" anchor="ctr">
-            <a:normAutofit/>
-            <a:scene3d>
-              <a:camera prst="orthographicFront"/>
-              <a:lightRig rig="threePt" dir="t">
-                <a:rot lat="0" lon="0" rev="4800000"/>
-              </a:lightRig>
-            </a:scene3d>
-            <a:sp3d prstMaterial="matte">
-              <a:bevelT w="50800" h="10160"/>
-            </a:sp3d>
-          </a:bodyPr>
+          <a:bodyPr vert="horz" lIns="91440" tIns="45720" rIns="91440" bIns="45720" rtlCol="0" anchor="ctr"/>
           <a:lstStyle>
-            <a:extLst/>
+            <a:lvl1pPr algn="ctr">
+              <a:defRPr sz="1200">
+                <a:solidFill>
+                  <a:schemeClr val="tx1">
+                    <a:tint val="75000"/>
+                  </a:schemeClr>
+                </a:solidFill>
+              </a:defRPr>
+            </a:lvl1pPr>
           </a:lstStyle>
           <a:p>
-            <a:r>
-              <a:rPr kumimoji="0" lang="zh-TW" altLang="en-US" smtClean="0"/>
-              <a:t>按一下以編輯母片標題樣式</a:t>
-            </a:r>
-            <a:endParaRPr kumimoji="0" lang="en-US"/>
-          </a:p>
-        </p:txBody>
-      </p:sp>
-      <p:sp>
-        <p:nvSpPr>
-          <p:cNvPr id="3" name="Text Placeholder 2"/>
-          <p:cNvSpPr>
-            <a:spLocks noGrp="1"/>
-          </p:cNvSpPr>
-          <p:nvPr>
-            <p:ph type="body" idx="1"/>
+            <a:endParaRPr lang="zh-TW" altLang="en-US"/>
+          </a:p>
+        </p:txBody>
+      </p:sp>
+      <p:sp>
+        <p:nvSpPr>
+          <p:cNvPr id="6" name="投影片編號版面配置區 5"/>
+          <p:cNvSpPr>
+            <a:spLocks noGrp="1"/>
+          </p:cNvSpPr>
+          <p:nvPr>
+            <p:ph type="sldNum" sz="quarter" idx="4"/>
           </p:nvPr>
         </p:nvSpPr>
         <p:spPr>
           <a:xfrm>
-            <a:off x="457200" y="1775191"/>
-            <a:ext cx="8229600" cy="4625609"/>
+            <a:off x="8737600" y="6356351"/>
+            <a:ext cx="2844800" cy="365125"/>
           </a:xfrm>
           <a:prstGeom prst="rect">
             <a:avLst/>
           </a:prstGeom>
         </p:spPr>
         <p:txBody>
-          <a:bodyPr vert="horz" lIns="54864" tIns="91440" rtlCol="0">
-            <a:normAutofit/>
-          </a:bodyPr>
+          <a:bodyPr vert="horz" lIns="91440" tIns="45720" rIns="91440" bIns="45720" rtlCol="0" anchor="ctr"/>
           <a:lstStyle>
-            <a:extLst/>
-          </a:lstStyle>
-          <a:p>
-            <a:pPr lvl="0" eaLnBrk="1" latinLnBrk="0" hangingPunct="1"/>
-            <a:r>
-              <a:rPr kumimoji="0" lang="zh-TW" altLang="en-US" smtClean="0"/>
-              <a:t>按一下以編輯母片文字樣式</a:t>
-            </a:r>
-          </a:p>
-          <a:p>
-            <a:pPr lvl="1" eaLnBrk="1" latinLnBrk="0" hangingPunct="1"/>
-            <a:r>
-              <a:rPr kumimoji="0" lang="zh-TW" altLang="en-US" smtClean="0"/>
-              <a:t>第二層</a:t>
-            </a:r>
-          </a:p>
-          <a:p>
-            <a:pPr lvl="2" eaLnBrk="1" latinLnBrk="0" hangingPunct="1"/>
-            <a:r>
-              <a:rPr kumimoji="0" lang="zh-TW" altLang="en-US" smtClean="0"/>
-              <a:t>第三層</a:t>
-            </a:r>
-          </a:p>
-          <a:p>
-            <a:pPr lvl="3" eaLnBrk="1" latinLnBrk="0" hangingPunct="1"/>
-            <a:r>
-              <a:rPr kumimoji="0" lang="zh-TW" altLang="en-US" smtClean="0"/>
-              <a:t>第四層</a:t>
-            </a:r>
-          </a:p>
-          <a:p>
-            <a:pPr lvl="4" eaLnBrk="1" latinLnBrk="0" hangingPunct="1"/>
-            <a:r>
-              <a:rPr kumimoji="0" lang="zh-TW" altLang="en-US" smtClean="0"/>
-              <a:t>第五層</a:t>
-            </a:r>
-            <a:endParaRPr kumimoji="0" lang="en-US"/>
-          </a:p>
-        </p:txBody>
-      </p:sp>
-      <p:sp>
-        <p:nvSpPr>
-          <p:cNvPr id="4" name="Date Placeholder 3"/>
-          <p:cNvSpPr>
-            <a:spLocks noGrp="1"/>
-          </p:cNvSpPr>
-          <p:nvPr>
-            <p:ph type="dt" sz="half" idx="2"/>
-          </p:nvPr>
-        </p:nvSpPr>
-        <p:spPr>
-          <a:xfrm>
-            <a:off x="457200" y="6476999"/>
-            <a:ext cx="2133600" cy="274320"/>
-          </a:xfrm>
-          <a:prstGeom prst="rect">
-            <a:avLst/>
-          </a:prstGeom>
-        </p:spPr>
-        <p:txBody>
-          <a:bodyPr vert="horz" lIns="109728" rIns="45720" bIns="0" rtlCol="0" anchor="b"/>
-          <a:lstStyle>
-            <a:lvl1pPr algn="l" eaLnBrk="1" latinLnBrk="0" hangingPunct="1">
-              <a:defRPr kumimoji="0" sz="1200">
+            <a:lvl1pPr algn="r">
+              <a:defRPr sz="1200">
                 <a:solidFill>
                   <a:schemeClr val="tx1">
-                    <a:tint val="95000"/>
+                    <a:tint val="75000"/>
                   </a:schemeClr>
                 </a:solidFill>
               </a:defRPr>
             </a:lvl1pPr>
-            <a:extLst/>
-          </a:lstStyle>
-          <a:p>
-            <a:fld id="{53986D1C-D428-4C90-B2C4-4A2D283BBC11}" type="datetimeFigureOut">
-              <a:rPr lang="zh-TW" altLang="en-US" smtClean="0"/>
-              <a:t>2013/6/1</a:t>
-            </a:fld>
-            <a:endParaRPr lang="zh-TW" altLang="en-US"/>
-          </a:p>
-        </p:txBody>
-      </p:sp>
-      <p:sp>
-        <p:nvSpPr>
-          <p:cNvPr id="5" name="Footer Placeholder 4"/>
-          <p:cNvSpPr>
-            <a:spLocks noGrp="1"/>
-          </p:cNvSpPr>
-          <p:nvPr>
-            <p:ph type="ftr" sz="quarter" idx="3"/>
-          </p:nvPr>
-        </p:nvSpPr>
-        <p:spPr>
-          <a:xfrm>
-            <a:off x="2640596" y="6476999"/>
-            <a:ext cx="5507719" cy="274320"/>
-          </a:xfrm>
-          <a:prstGeom prst="rect">
-            <a:avLst/>
-          </a:prstGeom>
-        </p:spPr>
-        <p:txBody>
-          <a:bodyPr vert="horz" lIns="45720" rIns="45720" bIns="0" rtlCol="0" anchor="b"/>
-          <a:lstStyle>
-            <a:lvl1pPr algn="l" eaLnBrk="1" latinLnBrk="0" hangingPunct="1">
-              <a:defRPr kumimoji="0" sz="1200">
-                <a:solidFill>
-                  <a:schemeClr val="tx1">
-                    <a:tint val="95000"/>
-                  </a:schemeClr>
-                </a:solidFill>
-              </a:defRPr>
-            </a:lvl1pPr>
-            <a:extLst/>
-          </a:lstStyle>
-          <a:p>
-            <a:endParaRPr lang="zh-TW" altLang="en-US"/>
-          </a:p>
-        </p:txBody>
-      </p:sp>
-      <p:sp>
-        <p:nvSpPr>
-          <p:cNvPr id="6" name="Slide Number Placeholder 5"/>
-          <p:cNvSpPr>
-            <a:spLocks noGrp="1"/>
-          </p:cNvSpPr>
-          <p:nvPr>
-            <p:ph type="sldNum" sz="quarter" idx="4"/>
-          </p:nvPr>
-        </p:nvSpPr>
-        <p:spPr>
-          <a:xfrm>
-            <a:off x="8204396" y="6476999"/>
-            <a:ext cx="733864" cy="274320"/>
-          </a:xfrm>
-          <a:prstGeom prst="rect">
-            <a:avLst/>
-          </a:prstGeom>
-        </p:spPr>
-        <p:txBody>
-          <a:bodyPr vert="horz" bIns="0" rtlCol="0" anchor="b"/>
-          <a:lstStyle>
-            <a:lvl1pPr algn="r" eaLnBrk="1" latinLnBrk="0" hangingPunct="1">
-              <a:defRPr kumimoji="0" sz="1200">
-                <a:solidFill>
-                  <a:schemeClr val="tx1">
-                    <a:tint val="95000"/>
-                  </a:schemeClr>
-                </a:solidFill>
-              </a:defRPr>
-            </a:lvl1pPr>
-            <a:extLst/>
           </a:lstStyle>
           <a:p>
             <a:fld id="{7DB2F222-CE3A-4871-9C30-DAAA399A17A3}" type="slidenum">
@@ -3480,54 +2833,51 @@
         </p:txBody>
       </p:sp>
     </p:spTree>
+    <p:extLst>
+      <p:ext uri="{BB962C8B-B14F-4D97-AF65-F5344CB8AC3E}">
+        <p14:creationId xmlns:p14="http://schemas.microsoft.com/office/powerpoint/2010/main" val="406453848"/>
+      </p:ext>
+    </p:extLst>
   </p:cSld>
   <p:clrMap bg1="lt1" tx1="dk1" bg2="lt2" tx2="dk2" accent1="accent1" accent2="accent2" accent3="accent3" accent4="accent4" accent5="accent5" accent6="accent6" hlink="hlink" folHlink="folHlink"/>
   <p:sldLayoutIdLst>
-    <p:sldLayoutId id="2147483661" r:id="rId1"/>
-    <p:sldLayoutId id="2147483662" r:id="rId2"/>
-    <p:sldLayoutId id="2147483663" r:id="rId3"/>
-    <p:sldLayoutId id="2147483664" r:id="rId4"/>
-    <p:sldLayoutId id="2147483665" r:id="rId5"/>
-    <p:sldLayoutId id="2147483666" r:id="rId6"/>
-    <p:sldLayoutId id="2147483667" r:id="rId7"/>
-    <p:sldLayoutId id="2147483668" r:id="rId8"/>
-    <p:sldLayoutId id="2147483669" r:id="rId9"/>
-    <p:sldLayoutId id="2147483670" r:id="rId10"/>
-    <p:sldLayoutId id="2147483671" r:id="rId11"/>
+    <p:sldLayoutId id="2147483673" r:id="rId1"/>
+    <p:sldLayoutId id="2147483674" r:id="rId2"/>
+    <p:sldLayoutId id="2147483675" r:id="rId3"/>
+    <p:sldLayoutId id="2147483676" r:id="rId4"/>
+    <p:sldLayoutId id="2147483677" r:id="rId5"/>
+    <p:sldLayoutId id="2147483678" r:id="rId6"/>
+    <p:sldLayoutId id="2147483679" r:id="rId7"/>
+    <p:sldLayoutId id="2147483680" r:id="rId8"/>
+    <p:sldLayoutId id="2147483681" r:id="rId9"/>
+    <p:sldLayoutId id="2147483682" r:id="rId10"/>
+    <p:sldLayoutId id="2147483683" r:id="rId11"/>
   </p:sldLayoutIdLst>
   <p:txStyles>
     <p:titleStyle>
-      <a:lvl1pPr algn="l" rtl="0" eaLnBrk="1" latinLnBrk="0" hangingPunct="1">
+      <a:lvl1pPr algn="ctr" defTabSz="914400" rtl="0" eaLnBrk="1" latinLnBrk="0" hangingPunct="1">
         <a:spcBef>
           <a:spcPct val="0"/>
         </a:spcBef>
         <a:buNone/>
-        <a:defRPr kumimoji="0" sz="4500" b="1" kern="1200">
+        <a:defRPr sz="4400" kern="1200">
           <a:solidFill>
-            <a:schemeClr val="accent1">
-              <a:satMod val="150000"/>
-            </a:schemeClr>
+            <a:schemeClr val="tx1"/>
           </a:solidFill>
-          <a:effectLst/>
           <a:latin typeface="+mj-lt"/>
           <a:ea typeface="+mj-ea"/>
           <a:cs typeface="+mj-cs"/>
         </a:defRPr>
       </a:lvl1pPr>
-      <a:extLst/>
     </p:titleStyle>
     <p:bodyStyle>
-      <a:lvl1pPr marL="438912" indent="-320040" algn="l" rtl="0" eaLnBrk="1" latinLnBrk="0" hangingPunct="1">
+      <a:lvl1pPr marL="342900" indent="-342900" algn="l" defTabSz="914400" rtl="0" eaLnBrk="1" latinLnBrk="0" hangingPunct="1">
         <a:spcBef>
-          <a:spcPts val="0"/>
+          <a:spcPct val="20000"/>
         </a:spcBef>
-        <a:buClr>
-          <a:schemeClr val="accent1"/>
-        </a:buClr>
-        <a:buSzPct val="80000"/>
-        <a:buFont typeface="Wingdings 2"/>
-        <a:buChar char=""/>
-        <a:defRPr kumimoji="0" sz="3200" kern="1200">
+        <a:buFont typeface="Arial" pitchFamily="34" charset="0"/>
+        <a:buChar char="•"/>
+        <a:defRPr sz="3200" kern="1200">
           <a:solidFill>
             <a:schemeClr val="tx1"/>
           </a:solidFill>
@@ -3536,17 +2886,13 @@
           <a:cs typeface="+mn-cs"/>
         </a:defRPr>
       </a:lvl1pPr>
-      <a:lvl2pPr marL="731520" indent="-274320" algn="l" rtl="0" eaLnBrk="1" latinLnBrk="0" hangingPunct="1">
+      <a:lvl2pPr marL="742950" indent="-285750" algn="l" defTabSz="914400" rtl="0" eaLnBrk="1" latinLnBrk="0" hangingPunct="1">
         <a:spcBef>
           <a:spcPct val="20000"/>
         </a:spcBef>
-        <a:buClr>
-          <a:schemeClr val="accent2"/>
-        </a:buClr>
-        <a:buSzPct val="90000"/>
-        <a:buFont typeface="Wingdings"/>
-        <a:buChar char=""/>
-        <a:defRPr kumimoji="0" sz="2800" kern="1200">
+        <a:buFont typeface="Arial" pitchFamily="34" charset="0"/>
+        <a:buChar char="–"/>
+        <a:defRPr sz="2800" kern="1200">
           <a:solidFill>
             <a:schemeClr val="tx1"/>
           </a:solidFill>
@@ -3555,16 +2901,13 @@
           <a:cs typeface="+mn-cs"/>
         </a:defRPr>
       </a:lvl2pPr>
-      <a:lvl3pPr marL="996696" indent="-228600" algn="l" rtl="0" eaLnBrk="1" latinLnBrk="0" hangingPunct="1">
+      <a:lvl3pPr marL="1143000" indent="-228600" algn="l" defTabSz="914400" rtl="0" eaLnBrk="1" latinLnBrk="0" hangingPunct="1">
         <a:spcBef>
           <a:spcPct val="20000"/>
         </a:spcBef>
-        <a:buClr>
-          <a:schemeClr val="accent3"/>
-        </a:buClr>
-        <a:buFont typeface="Arial"/>
-        <a:buChar char="▪"/>
-        <a:defRPr kumimoji="0" sz="2400" kern="1200">
+        <a:buFont typeface="Arial" pitchFamily="34" charset="0"/>
+        <a:buChar char="•"/>
+        <a:defRPr sz="2400" kern="1200">
           <a:solidFill>
             <a:schemeClr val="tx1"/>
           </a:solidFill>
@@ -3573,16 +2916,13 @@
           <a:cs typeface="+mn-cs"/>
         </a:defRPr>
       </a:lvl3pPr>
-      <a:lvl4pPr marL="1216152" indent="-182880" algn="l" rtl="0" eaLnBrk="1" latinLnBrk="0" hangingPunct="1">
+      <a:lvl4pPr marL="1600200" indent="-228600" algn="l" defTabSz="914400" rtl="0" eaLnBrk="1" latinLnBrk="0" hangingPunct="1">
         <a:spcBef>
           <a:spcPct val="20000"/>
         </a:spcBef>
-        <a:buClr>
-          <a:schemeClr val="accent4"/>
-        </a:buClr>
-        <a:buFont typeface="Arial"/>
-        <a:buChar char="▪"/>
-        <a:defRPr kumimoji="0" sz="2000" kern="1200">
+        <a:buFont typeface="Arial" pitchFamily="34" charset="0"/>
+        <a:buChar char="–"/>
+        <a:defRPr sz="2000" kern="1200">
           <a:solidFill>
             <a:schemeClr val="tx1"/>
           </a:solidFill>
@@ -3591,16 +2931,13 @@
           <a:cs typeface="+mn-cs"/>
         </a:defRPr>
       </a:lvl4pPr>
-      <a:lvl5pPr marL="1426464" indent="-182880" algn="l" rtl="0" eaLnBrk="1" latinLnBrk="0" hangingPunct="1">
+      <a:lvl5pPr marL="2057400" indent="-228600" algn="l" defTabSz="914400" rtl="0" eaLnBrk="1" latinLnBrk="0" hangingPunct="1">
         <a:spcBef>
           <a:spcPct val="20000"/>
         </a:spcBef>
-        <a:buClr>
-          <a:schemeClr val="accent5"/>
-        </a:buClr>
-        <a:buFont typeface="Wingdings 3"/>
-        <a:buChar char=""/>
-        <a:defRPr kumimoji="0" lang="en-US" sz="2000" kern="1200" smtClean="0">
+        <a:buFont typeface="Arial" pitchFamily="34" charset="0"/>
+        <a:buChar char="»"/>
+        <a:defRPr sz="2000" kern="1200">
           <a:solidFill>
             <a:schemeClr val="tx1"/>
           </a:solidFill>
@@ -3609,17 +2946,13 @@
           <a:cs typeface="+mn-cs"/>
         </a:defRPr>
       </a:lvl5pPr>
-      <a:lvl6pPr marL="1627632" indent="-182880" algn="l" rtl="0" eaLnBrk="1" latinLnBrk="0" hangingPunct="1">
+      <a:lvl6pPr marL="2514600" indent="-228600" algn="l" defTabSz="914400" rtl="0" eaLnBrk="1" latinLnBrk="0" hangingPunct="1">
         <a:spcBef>
           <a:spcPct val="20000"/>
         </a:spcBef>
-        <a:buClr>
-          <a:schemeClr val="accent6"/>
-        </a:buClr>
-        <a:buSzPct val="100000"/>
-        <a:buFont typeface="Wingdings 2"/>
-        <a:buChar char=""/>
-        <a:defRPr kumimoji="0" sz="2000" kern="1200">
+        <a:buFont typeface="Arial" pitchFamily="34" charset="0"/>
+        <a:buChar char="•"/>
+        <a:defRPr sz="2000" kern="1200">
           <a:solidFill>
             <a:schemeClr val="tx1"/>
           </a:solidFill>
@@ -3628,17 +2961,13 @@
           <a:cs typeface="+mn-cs"/>
         </a:defRPr>
       </a:lvl6pPr>
-      <a:lvl7pPr marL="1828800" indent="-182880" algn="l" rtl="0" eaLnBrk="1" latinLnBrk="0" hangingPunct="1">
+      <a:lvl7pPr marL="2971800" indent="-228600" algn="l" defTabSz="914400" rtl="0" eaLnBrk="1" latinLnBrk="0" hangingPunct="1">
         <a:spcBef>
           <a:spcPct val="20000"/>
         </a:spcBef>
-        <a:buClr>
-          <a:schemeClr val="accent1"/>
-        </a:buClr>
-        <a:buSzPct val="100000"/>
-        <a:buFont typeface="Wingdings 2"/>
-        <a:buChar char=""/>
-        <a:defRPr kumimoji="0" sz="1800" kern="1200">
+        <a:buFont typeface="Arial" pitchFamily="34" charset="0"/>
+        <a:buChar char="•"/>
+        <a:defRPr sz="2000" kern="1200">
           <a:solidFill>
             <a:schemeClr val="tx1"/>
           </a:solidFill>
@@ -3647,16 +2976,13 @@
           <a:cs typeface="+mn-cs"/>
         </a:defRPr>
       </a:lvl7pPr>
-      <a:lvl8pPr marL="2029968" indent="-182880" algn="l" rtl="0" eaLnBrk="1" latinLnBrk="0" hangingPunct="1">
+      <a:lvl8pPr marL="3429000" indent="-228600" algn="l" defTabSz="914400" rtl="0" eaLnBrk="1" latinLnBrk="0" hangingPunct="1">
         <a:spcBef>
           <a:spcPct val="20000"/>
         </a:spcBef>
-        <a:buClr>
-          <a:schemeClr val="accent2"/>
-        </a:buClr>
-        <a:buFont typeface="Wingdings 2" pitchFamily="18" charset="2"/>
-        <a:buChar char=""/>
-        <a:defRPr kumimoji="0" sz="1800" kern="1200">
+        <a:buFont typeface="Arial" pitchFamily="34" charset="0"/>
+        <a:buChar char="•"/>
+        <a:defRPr sz="2000" kern="1200">
           <a:solidFill>
             <a:schemeClr val="tx1"/>
           </a:solidFill>
@@ -3665,16 +2991,13 @@
           <a:cs typeface="+mn-cs"/>
         </a:defRPr>
       </a:lvl8pPr>
-      <a:lvl9pPr marL="2231136" indent="-182880" algn="l" rtl="0" eaLnBrk="1" latinLnBrk="0" hangingPunct="1">
+      <a:lvl9pPr marL="3886200" indent="-228600" algn="l" defTabSz="914400" rtl="0" eaLnBrk="1" latinLnBrk="0" hangingPunct="1">
         <a:spcBef>
           <a:spcPct val="20000"/>
         </a:spcBef>
-        <a:buClr>
-          <a:schemeClr val="accent3"/>
-        </a:buClr>
-        <a:buFont typeface="Wingdings 2" pitchFamily="18" charset="2"/>
-        <a:buChar char=""/>
-        <a:defRPr kumimoji="0" sz="1800" kern="1200" baseline="0">
+        <a:buFont typeface="Arial" pitchFamily="34" charset="0"/>
+        <a:buChar char="•"/>
+        <a:defRPr sz="2000" kern="1200">
           <a:solidFill>
             <a:schemeClr val="tx1"/>
           </a:solidFill>
@@ -3683,11 +3006,13 @@
           <a:cs typeface="+mn-cs"/>
         </a:defRPr>
       </a:lvl9pPr>
-      <a:extLst/>
     </p:bodyStyle>
     <p:otherStyle>
-      <a:lvl1pPr marL="0" algn="l" rtl="0" eaLnBrk="1" latinLnBrk="0" hangingPunct="1">
-        <a:defRPr kumimoji="0" kern="1200">
+      <a:defPPr>
+        <a:defRPr lang="zh-TW"/>
+      </a:defPPr>
+      <a:lvl1pPr marL="0" algn="l" defTabSz="914400" rtl="0" eaLnBrk="1" latinLnBrk="0" hangingPunct="1">
+        <a:defRPr sz="1800" kern="1200">
           <a:solidFill>
             <a:schemeClr val="tx1"/>
           </a:solidFill>
@@ -3696,8 +3021,8 @@
           <a:cs typeface="+mn-cs"/>
         </a:defRPr>
       </a:lvl1pPr>
-      <a:lvl2pPr marL="457200" algn="l" rtl="0" eaLnBrk="1" latinLnBrk="0" hangingPunct="1">
-        <a:defRPr kumimoji="0" kern="1200">
+      <a:lvl2pPr marL="457200" algn="l" defTabSz="914400" rtl="0" eaLnBrk="1" latinLnBrk="0" hangingPunct="1">
+        <a:defRPr sz="1800" kern="1200">
           <a:solidFill>
             <a:schemeClr val="tx1"/>
           </a:solidFill>
@@ -3706,8 +3031,8 @@
           <a:cs typeface="+mn-cs"/>
         </a:defRPr>
       </a:lvl2pPr>
-      <a:lvl3pPr marL="914400" algn="l" rtl="0" eaLnBrk="1" latinLnBrk="0" hangingPunct="1">
-        <a:defRPr kumimoji="0" kern="1200">
+      <a:lvl3pPr marL="914400" algn="l" defTabSz="914400" rtl="0" eaLnBrk="1" latinLnBrk="0" hangingPunct="1">
+        <a:defRPr sz="1800" kern="1200">
           <a:solidFill>
             <a:schemeClr val="tx1"/>
           </a:solidFill>
@@ -3716,8 +3041,8 @@
           <a:cs typeface="+mn-cs"/>
         </a:defRPr>
       </a:lvl3pPr>
-      <a:lvl4pPr marL="1371600" algn="l" rtl="0" eaLnBrk="1" latinLnBrk="0" hangingPunct="1">
-        <a:defRPr kumimoji="0" kern="1200">
+      <a:lvl4pPr marL="1371600" algn="l" defTabSz="914400" rtl="0" eaLnBrk="1" latinLnBrk="0" hangingPunct="1">
+        <a:defRPr sz="1800" kern="1200">
           <a:solidFill>
             <a:schemeClr val="tx1"/>
           </a:solidFill>
@@ -3726,8 +3051,8 @@
           <a:cs typeface="+mn-cs"/>
         </a:defRPr>
       </a:lvl4pPr>
-      <a:lvl5pPr marL="1828800" algn="l" rtl="0" eaLnBrk="1" latinLnBrk="0" hangingPunct="1">
-        <a:defRPr kumimoji="0" kern="1200">
+      <a:lvl5pPr marL="1828800" algn="l" defTabSz="914400" rtl="0" eaLnBrk="1" latinLnBrk="0" hangingPunct="1">
+        <a:defRPr sz="1800" kern="1200">
           <a:solidFill>
             <a:schemeClr val="tx1"/>
           </a:solidFill>
@@ -3736,8 +3061,8 @@
           <a:cs typeface="+mn-cs"/>
         </a:defRPr>
       </a:lvl5pPr>
-      <a:lvl6pPr marL="2286000" algn="l" rtl="0" eaLnBrk="1" latinLnBrk="0" hangingPunct="1">
-        <a:defRPr kumimoji="0" kern="1200">
+      <a:lvl6pPr marL="2286000" algn="l" defTabSz="914400" rtl="0" eaLnBrk="1" latinLnBrk="0" hangingPunct="1">
+        <a:defRPr sz="1800" kern="1200">
           <a:solidFill>
             <a:schemeClr val="tx1"/>
           </a:solidFill>
@@ -3746,8 +3071,8 @@
           <a:cs typeface="+mn-cs"/>
         </a:defRPr>
       </a:lvl6pPr>
-      <a:lvl7pPr marL="2743200" algn="l" rtl="0" eaLnBrk="1" latinLnBrk="0" hangingPunct="1">
-        <a:defRPr kumimoji="0" kern="1200">
+      <a:lvl7pPr marL="2743200" algn="l" defTabSz="914400" rtl="0" eaLnBrk="1" latinLnBrk="0" hangingPunct="1">
+        <a:defRPr sz="1800" kern="1200">
           <a:solidFill>
             <a:schemeClr val="tx1"/>
           </a:solidFill>
@@ -3756,8 +3081,8 @@
           <a:cs typeface="+mn-cs"/>
         </a:defRPr>
       </a:lvl7pPr>
-      <a:lvl8pPr marL="3200400" algn="l" rtl="0" eaLnBrk="1" latinLnBrk="0" hangingPunct="1">
-        <a:defRPr kumimoji="0" kern="1200">
+      <a:lvl8pPr marL="3200400" algn="l" defTabSz="914400" rtl="0" eaLnBrk="1" latinLnBrk="0" hangingPunct="1">
+        <a:defRPr sz="1800" kern="1200">
           <a:solidFill>
             <a:schemeClr val="tx1"/>
           </a:solidFill>
@@ -3766,8 +3091,8 @@
           <a:cs typeface="+mn-cs"/>
         </a:defRPr>
       </a:lvl8pPr>
-      <a:lvl9pPr marL="3657600" algn="l" rtl="0" eaLnBrk="1" latinLnBrk="0" hangingPunct="1">
-        <a:defRPr kumimoji="0" kern="1200">
+      <a:lvl9pPr marL="3657600" algn="l" defTabSz="914400" rtl="0" eaLnBrk="1" latinLnBrk="0" hangingPunct="1">
+        <a:defRPr sz="1800" kern="1200">
           <a:solidFill>
             <a:schemeClr val="tx1"/>
           </a:solidFill>
@@ -3776,7 +3101,6 @@
           <a:cs typeface="+mn-cs"/>
         </a:defRPr>
       </a:lvl9pPr>
-      <a:extLst/>
     </p:otherStyle>
   </p:txStyles>
 </p:sldMaster>
@@ -3815,10 +3139,16 @@
           <a:lstStyle/>
           <a:p>
             <a:r>
-              <a:rPr lang="zh-CN" altLang="en-US" dirty="0" smtClean="0"/>
+              <a:rPr lang="zh-CN" altLang="en-US" b="1" dirty="0" smtClean="0">
+                <a:latin typeface="Microsoft JhengHei" panose="020B0604030504040204" pitchFamily="34" charset="-120"/>
+                <a:ea typeface="Microsoft JhengHei" panose="020B0604030504040204" pitchFamily="34" charset="-120"/>
+              </a:rPr>
               <a:t>人生的福</a:t>
             </a:r>
-            <a:endParaRPr lang="zh-TW" altLang="en-US" dirty="0"/>
+            <a:endParaRPr lang="zh-TW" altLang="en-US" b="1" dirty="0">
+              <a:latin typeface="Microsoft JhengHei" panose="020B0604030504040204" pitchFamily="34" charset="-120"/>
+              <a:ea typeface="Microsoft JhengHei" panose="020B0604030504040204" pitchFamily="34" charset="-120"/>
+            </a:endParaRPr>
           </a:p>
         </p:txBody>
       </p:sp>
@@ -3843,40 +3173,64 @@
               <a:buNone/>
             </a:pPr>
             <a:r>
-              <a:rPr lang="zh-CN" altLang="en-US" sz="5400" dirty="0" smtClean="0"/>
+              <a:rPr lang="zh-CN" altLang="en-US" sz="5400" b="1" dirty="0">
+                <a:latin typeface="Microsoft JhengHei" panose="020B0604030504040204" pitchFamily="34" charset="-120"/>
+                <a:ea typeface="Microsoft JhengHei" panose="020B0604030504040204" pitchFamily="34" charset="-120"/>
+              </a:rPr>
               <a:t>人生一切能享的福</a:t>
             </a:r>
-            <a:endParaRPr lang="en-US" altLang="zh-CN" sz="5400" dirty="0" smtClean="0"/>
+            <a:endParaRPr lang="en-US" altLang="zh-CN" sz="5400" b="1" dirty="0">
+              <a:latin typeface="Microsoft JhengHei" panose="020B0604030504040204" pitchFamily="34" charset="-120"/>
+              <a:ea typeface="Microsoft JhengHei" panose="020B0604030504040204" pitchFamily="34" charset="-120"/>
+            </a:endParaRPr>
           </a:p>
           <a:p>
             <a:pPr algn="ctr">
               <a:buNone/>
             </a:pPr>
             <a:r>
-              <a:rPr lang="zh-CN" altLang="en-US" sz="5400" dirty="0" smtClean="0"/>
+              <a:rPr lang="zh-CN" altLang="en-US" sz="5400" b="1" dirty="0">
+                <a:latin typeface="Microsoft JhengHei" panose="020B0604030504040204" pitchFamily="34" charset="-120"/>
+                <a:ea typeface="Microsoft JhengHei" panose="020B0604030504040204" pitchFamily="34" charset="-120"/>
+              </a:rPr>
               <a:t>那樣保留得住</a:t>
             </a:r>
-            <a:endParaRPr lang="en-US" altLang="zh-CN" sz="5400" dirty="0" smtClean="0"/>
+            <a:endParaRPr lang="en-US" altLang="zh-CN" sz="5400" b="1" dirty="0">
+              <a:latin typeface="Microsoft JhengHei" panose="020B0604030504040204" pitchFamily="34" charset="-120"/>
+              <a:ea typeface="Microsoft JhengHei" panose="020B0604030504040204" pitchFamily="34" charset="-120"/>
+            </a:endParaRPr>
           </a:p>
           <a:p>
             <a:pPr algn="ctr">
               <a:buNone/>
             </a:pPr>
             <a:r>
-              <a:rPr lang="zh-CN" altLang="en-US" sz="5400" dirty="0" smtClean="0"/>
+              <a:rPr lang="zh-CN" altLang="en-US" sz="5400" b="1" dirty="0">
+                <a:latin typeface="Microsoft JhengHei" panose="020B0604030504040204" pitchFamily="34" charset="-120"/>
+                <a:ea typeface="Microsoft JhengHei" panose="020B0604030504040204" pitchFamily="34" charset="-120"/>
+              </a:rPr>
               <a:t>人生一切能享的福</a:t>
             </a:r>
-            <a:endParaRPr lang="en-US" altLang="zh-CN" sz="5400" dirty="0" smtClean="0"/>
+            <a:endParaRPr lang="en-US" altLang="zh-CN" sz="5400" b="1" dirty="0">
+              <a:latin typeface="Microsoft JhengHei" panose="020B0604030504040204" pitchFamily="34" charset="-120"/>
+              <a:ea typeface="Microsoft JhengHei" panose="020B0604030504040204" pitchFamily="34" charset="-120"/>
+            </a:endParaRPr>
           </a:p>
           <a:p>
             <a:pPr algn="ctr">
               <a:buNone/>
             </a:pPr>
             <a:r>
-              <a:rPr lang="zh-CN" altLang="en-US" sz="5400" dirty="0" smtClean="0"/>
+              <a:rPr lang="zh-CN" altLang="en-US" sz="5400" b="1" dirty="0">
+                <a:latin typeface="Microsoft JhengHei" panose="020B0604030504040204" pitchFamily="34" charset="-120"/>
+                <a:ea typeface="Microsoft JhengHei" panose="020B0604030504040204" pitchFamily="34" charset="-120"/>
+              </a:rPr>
               <a:t>那樣不虛空</a:t>
             </a:r>
-            <a:endParaRPr lang="zh-TW" altLang="en-US" sz="5400" dirty="0"/>
+            <a:endParaRPr lang="zh-TW" altLang="en-US" sz="5400" b="1" dirty="0">
+              <a:latin typeface="Microsoft JhengHei" panose="020B0604030504040204" pitchFamily="34" charset="-120"/>
+              <a:ea typeface="Microsoft JhengHei" panose="020B0604030504040204" pitchFamily="34" charset="-120"/>
+            </a:endParaRPr>
           </a:p>
         </p:txBody>
       </p:sp>
@@ -3921,10 +3275,30 @@
           <a:lstStyle/>
           <a:p>
             <a:r>
-              <a:rPr lang="zh-CN" altLang="en-US" dirty="0" smtClean="0"/>
-              <a:t>人生的福</a:t>
-            </a:r>
-            <a:endParaRPr lang="zh-TW" altLang="en-US" dirty="0"/>
+              <a:rPr lang="zh-CN" altLang="en-US" b="1" dirty="0">
+                <a:latin typeface="Microsoft JhengHei" panose="020B0604030504040204" pitchFamily="34" charset="-120"/>
+                <a:ea typeface="Microsoft JhengHei" panose="020B0604030504040204" pitchFamily="34" charset="-120"/>
+              </a:rPr>
+              <a:t>人</a:t>
+            </a:r>
+            <a:r>
+              <a:rPr lang="zh-CN" altLang="en-US" b="1" dirty="0">
+                <a:latin typeface="Microsoft JhengHei" panose="020B0604030504040204" pitchFamily="34" charset="-120"/>
+                <a:ea typeface="Microsoft JhengHei" panose="020B0604030504040204" pitchFamily="34" charset="-120"/>
+              </a:rPr>
+              <a:t>生</a:t>
+            </a:r>
+            <a:r>
+              <a:rPr lang="zh-CN" altLang="en-US" b="1" dirty="0">
+                <a:latin typeface="Microsoft JhengHei" panose="020B0604030504040204" pitchFamily="34" charset="-120"/>
+                <a:ea typeface="Microsoft JhengHei" panose="020B0604030504040204" pitchFamily="34" charset="-120"/>
+              </a:rPr>
+              <a:t>的福</a:t>
+            </a:r>
+            <a:endParaRPr lang="zh-TW" altLang="en-US" b="1" dirty="0">
+              <a:latin typeface="Microsoft JhengHei" panose="020B0604030504040204" pitchFamily="34" charset="-120"/>
+              <a:ea typeface="Microsoft JhengHei" panose="020B0604030504040204" pitchFamily="34" charset="-120"/>
+            </a:endParaRPr>
           </a:p>
         </p:txBody>
       </p:sp>
@@ -3949,40 +3323,64 @@
               <a:buNone/>
             </a:pPr>
             <a:r>
-              <a:rPr lang="zh-CN" altLang="en-US" sz="5400" dirty="0" smtClean="0"/>
+              <a:rPr lang="zh-CN" altLang="en-US" sz="5400" b="1" dirty="0">
+                <a:latin typeface="Microsoft JhengHei" panose="020B0604030504040204" pitchFamily="34" charset="-120"/>
+                <a:ea typeface="Microsoft JhengHei" panose="020B0604030504040204" pitchFamily="34" charset="-120"/>
+              </a:rPr>
               <a:t>人生一切能享的福</a:t>
             </a:r>
-            <a:endParaRPr lang="en-US" altLang="zh-CN" sz="5400" dirty="0" smtClean="0"/>
+            <a:endParaRPr lang="en-US" altLang="zh-CN" sz="5400" b="1" dirty="0">
+              <a:latin typeface="Microsoft JhengHei" panose="020B0604030504040204" pitchFamily="34" charset="-120"/>
+              <a:ea typeface="Microsoft JhengHei" panose="020B0604030504040204" pitchFamily="34" charset="-120"/>
+            </a:endParaRPr>
           </a:p>
           <a:p>
             <a:pPr algn="ctr">
               <a:buNone/>
             </a:pPr>
             <a:r>
-              <a:rPr lang="zh-CN" altLang="en-US" sz="5400" dirty="0" smtClean="0"/>
+              <a:rPr lang="zh-CN" altLang="en-US" sz="5400" b="1" dirty="0">
+                <a:latin typeface="Microsoft JhengHei" panose="020B0604030504040204" pitchFamily="34" charset="-120"/>
+                <a:ea typeface="Microsoft JhengHei" panose="020B0604030504040204" pitchFamily="34" charset="-120"/>
+              </a:rPr>
               <a:t>那樣能夠滿足</a:t>
             </a:r>
-            <a:endParaRPr lang="en-US" altLang="zh-CN" sz="5400" dirty="0" smtClean="0"/>
+            <a:endParaRPr lang="en-US" altLang="zh-CN" sz="5400" b="1" dirty="0">
+              <a:latin typeface="Microsoft JhengHei" panose="020B0604030504040204" pitchFamily="34" charset="-120"/>
+              <a:ea typeface="Microsoft JhengHei" panose="020B0604030504040204" pitchFamily="34" charset="-120"/>
+            </a:endParaRPr>
           </a:p>
           <a:p>
             <a:pPr algn="ctr">
               <a:buNone/>
             </a:pPr>
             <a:r>
-              <a:rPr lang="zh-CN" altLang="en-US" sz="5400" dirty="0" smtClean="0"/>
+              <a:rPr lang="zh-CN" altLang="en-US" sz="5400" b="1" dirty="0">
+                <a:latin typeface="Microsoft JhengHei" panose="020B0604030504040204" pitchFamily="34" charset="-120"/>
+                <a:ea typeface="Microsoft JhengHei" panose="020B0604030504040204" pitchFamily="34" charset="-120"/>
+              </a:rPr>
               <a:t>人生一切能享的福</a:t>
             </a:r>
-            <a:endParaRPr lang="en-US" altLang="zh-CN" sz="5400" dirty="0" smtClean="0"/>
+            <a:endParaRPr lang="en-US" altLang="zh-CN" sz="5400" b="1" dirty="0">
+              <a:latin typeface="Microsoft JhengHei" panose="020B0604030504040204" pitchFamily="34" charset="-120"/>
+              <a:ea typeface="Microsoft JhengHei" panose="020B0604030504040204" pitchFamily="34" charset="-120"/>
+            </a:endParaRPr>
           </a:p>
           <a:p>
             <a:pPr algn="ctr">
               <a:buNone/>
             </a:pPr>
             <a:r>
-              <a:rPr lang="zh-CN" altLang="en-US" sz="5400" dirty="0" smtClean="0"/>
+              <a:rPr lang="zh-CN" altLang="en-US" sz="5400" b="1" dirty="0">
+                <a:latin typeface="Microsoft JhengHei" panose="020B0604030504040204" pitchFamily="34" charset="-120"/>
+                <a:ea typeface="Microsoft JhengHei" panose="020B0604030504040204" pitchFamily="34" charset="-120"/>
+              </a:rPr>
               <a:t>那樣能帶走</a:t>
             </a:r>
-            <a:endParaRPr lang="zh-TW" altLang="en-US" sz="5400" dirty="0"/>
+            <a:endParaRPr lang="zh-TW" altLang="en-US" sz="5400" b="1" dirty="0">
+              <a:latin typeface="Microsoft JhengHei" panose="020B0604030504040204" pitchFamily="34" charset="-120"/>
+              <a:ea typeface="Microsoft JhengHei" panose="020B0604030504040204" pitchFamily="34" charset="-120"/>
+            </a:endParaRPr>
           </a:p>
         </p:txBody>
       </p:sp>
@@ -4023,72 +3421,104 @@
         </p:nvSpPr>
         <p:spPr/>
         <p:txBody>
-          <a:bodyPr/>
-          <a:lstStyle/>
-          <a:p>
-            <a:r>
-              <a:rPr lang="zh-CN" altLang="en-US" dirty="0" smtClean="0"/>
-              <a:t>人生的福</a:t>
-            </a:r>
-            <a:endParaRPr lang="zh-TW" altLang="en-US" dirty="0"/>
-          </a:p>
-        </p:txBody>
-      </p:sp>
-      <p:sp>
-        <p:nvSpPr>
-          <p:cNvPr id="5" name="內容版面配置區 4"/>
-          <p:cNvSpPr>
-            <a:spLocks noGrp="1"/>
-          </p:cNvSpPr>
-          <p:nvPr>
-            <p:ph idx="1"/>
-          </p:nvPr>
-        </p:nvSpPr>
-        <p:spPr/>
-        <p:txBody>
           <a:bodyPr>
             <a:normAutofit/>
           </a:bodyPr>
           <a:lstStyle/>
           <a:p>
+            <a:r>
+              <a:rPr lang="zh-CN" altLang="en-US" b="1" dirty="0">
+                <a:latin typeface="Microsoft JhengHei" panose="020B0604030504040204" pitchFamily="34" charset="-120"/>
+                <a:ea typeface="Microsoft JhengHei" panose="020B0604030504040204" pitchFamily="34" charset="-120"/>
+              </a:rPr>
+              <a:t>人生的福</a:t>
+            </a:r>
+            <a:endParaRPr lang="zh-TW" altLang="en-US" b="1" dirty="0">
+              <a:latin typeface="Microsoft JhengHei" panose="020B0604030504040204" pitchFamily="34" charset="-120"/>
+              <a:ea typeface="Microsoft JhengHei" panose="020B0604030504040204" pitchFamily="34" charset="-120"/>
+            </a:endParaRPr>
+          </a:p>
+        </p:txBody>
+      </p:sp>
+      <p:sp>
+        <p:nvSpPr>
+          <p:cNvPr id="5" name="內容版面配置區 4"/>
+          <p:cNvSpPr>
+            <a:spLocks noGrp="1"/>
+          </p:cNvSpPr>
+          <p:nvPr>
+            <p:ph idx="1"/>
+          </p:nvPr>
+        </p:nvSpPr>
+        <p:spPr/>
+        <p:txBody>
+          <a:bodyPr>
+            <a:normAutofit/>
+          </a:bodyPr>
+          <a:lstStyle/>
+          <a:p>
             <a:pPr algn="ctr">
               <a:buNone/>
             </a:pPr>
             <a:r>
-              <a:rPr lang="zh-CN" altLang="en-US" sz="5400" dirty="0" smtClean="0"/>
+              <a:rPr lang="zh-CN" altLang="en-US" sz="5400" b="1" dirty="0">
+                <a:latin typeface="Microsoft JhengHei" panose="020B0604030504040204" pitchFamily="34" charset="-120"/>
+                <a:ea typeface="Microsoft JhengHei" panose="020B0604030504040204" pitchFamily="34" charset="-120"/>
+              </a:rPr>
               <a:t>我願給你最好禮物</a:t>
             </a:r>
-            <a:endParaRPr lang="en-US" altLang="zh-CN" sz="5400" dirty="0" smtClean="0"/>
+            <a:endParaRPr lang="en-US" altLang="zh-CN" sz="5400" b="1" dirty="0">
+              <a:latin typeface="Microsoft JhengHei" panose="020B0604030504040204" pitchFamily="34" charset="-120"/>
+              <a:ea typeface="Microsoft JhengHei" panose="020B0604030504040204" pitchFamily="34" charset="-120"/>
+            </a:endParaRPr>
           </a:p>
           <a:p>
             <a:pPr algn="ctr">
               <a:buNone/>
             </a:pPr>
             <a:r>
-              <a:rPr lang="zh-CN" altLang="en-US" sz="5400" dirty="0" smtClean="0"/>
+              <a:rPr lang="zh-CN" altLang="en-US" sz="5400" b="1" dirty="0">
+                <a:latin typeface="Microsoft JhengHei" panose="020B0604030504040204" pitchFamily="34" charset="-120"/>
+                <a:ea typeface="Microsoft JhengHei" panose="020B0604030504040204" pitchFamily="34" charset="-120"/>
+              </a:rPr>
               <a:t>就是主耶穌</a:t>
             </a:r>
-            <a:endParaRPr lang="en-US" altLang="zh-CN" sz="5400" dirty="0" smtClean="0"/>
+            <a:endParaRPr lang="en-US" altLang="zh-CN" sz="5400" b="1" dirty="0">
+              <a:latin typeface="Microsoft JhengHei" panose="020B0604030504040204" pitchFamily="34" charset="-120"/>
+              <a:ea typeface="Microsoft JhengHei" panose="020B0604030504040204" pitchFamily="34" charset="-120"/>
+            </a:endParaRPr>
           </a:p>
           <a:p>
             <a:pPr algn="ctr">
               <a:buNone/>
             </a:pPr>
             <a:r>
-              <a:rPr lang="zh-CN" altLang="en-US" sz="5400" dirty="0" smtClean="0"/>
+              <a:rPr lang="zh-CN" altLang="en-US" sz="5400" b="1" dirty="0">
+                <a:latin typeface="Microsoft JhengHei" panose="020B0604030504040204" pitchFamily="34" charset="-120"/>
+                <a:ea typeface="Microsoft JhengHei" panose="020B0604030504040204" pitchFamily="34" charset="-120"/>
+              </a:rPr>
               <a:t>勝過你人生一切的福</a:t>
             </a:r>
-            <a:endParaRPr lang="en-US" altLang="zh-CN" sz="5400" dirty="0" smtClean="0"/>
+            <a:endParaRPr lang="en-US" altLang="zh-CN" sz="5400" b="1" dirty="0">
+              <a:latin typeface="Microsoft JhengHei" panose="020B0604030504040204" pitchFamily="34" charset="-120"/>
+              <a:ea typeface="Microsoft JhengHei" panose="020B0604030504040204" pitchFamily="34" charset="-120"/>
+            </a:endParaRPr>
           </a:p>
           <a:p>
             <a:pPr algn="ctr">
               <a:buNone/>
             </a:pPr>
             <a:r>
-              <a:rPr lang="zh-CN" altLang="en-US" sz="5400" dirty="0" smtClean="0"/>
+              <a:rPr lang="zh-CN" altLang="en-US" sz="5400" b="1" dirty="0">
+                <a:latin typeface="Microsoft JhengHei" panose="020B0604030504040204" pitchFamily="34" charset="-120"/>
+                <a:ea typeface="Microsoft JhengHei" panose="020B0604030504040204" pitchFamily="34" charset="-120"/>
+              </a:rPr>
               <a:t>最深的羨慕</a:t>
             </a:r>
-            <a:endParaRPr lang="zh-TW" altLang="en-US" sz="5400" dirty="0"/>
+            <a:endParaRPr lang="zh-TW" altLang="en-US" sz="5400" b="1" dirty="0">
+              <a:latin typeface="Microsoft JhengHei" panose="020B0604030504040204" pitchFamily="34" charset="-120"/>
+              <a:ea typeface="Microsoft JhengHei" panose="020B0604030504040204" pitchFamily="34" charset="-120"/>
+            </a:endParaRPr>
           </a:p>
         </p:txBody>
       </p:sp>
@@ -4129,72 +3559,104 @@
         </p:nvSpPr>
         <p:spPr/>
         <p:txBody>
-          <a:bodyPr/>
-          <a:lstStyle/>
-          <a:p>
-            <a:r>
-              <a:rPr lang="zh-CN" altLang="en-US" dirty="0" smtClean="0"/>
-              <a:t>人生的福</a:t>
-            </a:r>
-            <a:endParaRPr lang="zh-TW" altLang="en-US" dirty="0"/>
-          </a:p>
-        </p:txBody>
-      </p:sp>
-      <p:sp>
-        <p:nvSpPr>
-          <p:cNvPr id="5" name="內容版面配置區 4"/>
-          <p:cNvSpPr>
-            <a:spLocks noGrp="1"/>
-          </p:cNvSpPr>
-          <p:nvPr>
-            <p:ph idx="1"/>
-          </p:nvPr>
-        </p:nvSpPr>
-        <p:spPr/>
-        <p:txBody>
           <a:bodyPr>
             <a:normAutofit/>
           </a:bodyPr>
           <a:lstStyle/>
           <a:p>
+            <a:r>
+              <a:rPr lang="zh-CN" altLang="en-US" b="1" dirty="0">
+                <a:latin typeface="Microsoft JhengHei" panose="020B0604030504040204" pitchFamily="34" charset="-120"/>
+                <a:ea typeface="Microsoft JhengHei" panose="020B0604030504040204" pitchFamily="34" charset="-120"/>
+              </a:rPr>
+              <a:t>人生的福</a:t>
+            </a:r>
+            <a:endParaRPr lang="zh-TW" altLang="en-US" b="1" dirty="0">
+              <a:latin typeface="Microsoft JhengHei" panose="020B0604030504040204" pitchFamily="34" charset="-120"/>
+              <a:ea typeface="Microsoft JhengHei" panose="020B0604030504040204" pitchFamily="34" charset="-120"/>
+            </a:endParaRPr>
+          </a:p>
+        </p:txBody>
+      </p:sp>
+      <p:sp>
+        <p:nvSpPr>
+          <p:cNvPr id="5" name="內容版面配置區 4"/>
+          <p:cNvSpPr>
+            <a:spLocks noGrp="1"/>
+          </p:cNvSpPr>
+          <p:nvPr>
+            <p:ph idx="1"/>
+          </p:nvPr>
+        </p:nvSpPr>
+        <p:spPr/>
+        <p:txBody>
+          <a:bodyPr>
+            <a:normAutofit/>
+          </a:bodyPr>
+          <a:lstStyle/>
+          <a:p>
             <a:pPr algn="ctr">
               <a:buNone/>
             </a:pPr>
             <a:r>
-              <a:rPr lang="zh-CN" altLang="en-US" sz="5400" dirty="0" smtClean="0"/>
+              <a:rPr lang="zh-CN" altLang="en-US" sz="5400" b="1" dirty="0">
+                <a:latin typeface="Microsoft JhengHei" panose="020B0604030504040204" pitchFamily="34" charset="-120"/>
+                <a:ea typeface="Microsoft JhengHei" panose="020B0604030504040204" pitchFamily="34" charset="-120"/>
+              </a:rPr>
               <a:t>你能給我最好禮物</a:t>
             </a:r>
-            <a:endParaRPr lang="en-US" altLang="zh-CN" sz="5400" dirty="0" smtClean="0"/>
+            <a:endParaRPr lang="en-US" altLang="zh-CN" sz="5400" b="1" dirty="0">
+              <a:latin typeface="Microsoft JhengHei" panose="020B0604030504040204" pitchFamily="34" charset="-120"/>
+              <a:ea typeface="Microsoft JhengHei" panose="020B0604030504040204" pitchFamily="34" charset="-120"/>
+            </a:endParaRPr>
           </a:p>
           <a:p>
             <a:pPr algn="ctr">
               <a:buNone/>
             </a:pPr>
             <a:r>
-              <a:rPr lang="zh-CN" altLang="en-US" sz="5400" dirty="0" smtClean="0"/>
+              <a:rPr lang="zh-CN" altLang="en-US" sz="5400" b="1" dirty="0">
+                <a:latin typeface="Microsoft JhengHei" panose="020B0604030504040204" pitchFamily="34" charset="-120"/>
+                <a:ea typeface="Microsoft JhengHei" panose="020B0604030504040204" pitchFamily="34" charset="-120"/>
+              </a:rPr>
               <a:t>是信主基督</a:t>
             </a:r>
-            <a:endParaRPr lang="en-US" altLang="zh-CN" sz="5400" dirty="0" smtClean="0"/>
+            <a:endParaRPr lang="en-US" altLang="zh-CN" sz="5400" b="1" dirty="0">
+              <a:latin typeface="Microsoft JhengHei" panose="020B0604030504040204" pitchFamily="34" charset="-120"/>
+              <a:ea typeface="Microsoft JhengHei" panose="020B0604030504040204" pitchFamily="34" charset="-120"/>
+            </a:endParaRPr>
           </a:p>
           <a:p>
             <a:pPr algn="ctr">
               <a:buNone/>
             </a:pPr>
             <a:r>
-              <a:rPr lang="zh-CN" altLang="en-US" sz="5400" dirty="0" smtClean="0"/>
+              <a:rPr lang="zh-CN" altLang="en-US" sz="5400" b="1" dirty="0">
+                <a:latin typeface="Microsoft JhengHei" panose="020B0604030504040204" pitchFamily="34" charset="-120"/>
+                <a:ea typeface="Microsoft JhengHei" panose="020B0604030504040204" pitchFamily="34" charset="-120"/>
+              </a:rPr>
               <a:t>跟隨祂腳步  永遠有福</a:t>
             </a:r>
-            <a:endParaRPr lang="en-US" altLang="zh-CN" sz="5400" dirty="0" smtClean="0"/>
+            <a:endParaRPr lang="en-US" altLang="zh-CN" sz="5400" b="1" dirty="0">
+              <a:latin typeface="Microsoft JhengHei" panose="020B0604030504040204" pitchFamily="34" charset="-120"/>
+              <a:ea typeface="Microsoft JhengHei" panose="020B0604030504040204" pitchFamily="34" charset="-120"/>
+            </a:endParaRPr>
           </a:p>
           <a:p>
             <a:pPr algn="ctr">
               <a:buNone/>
             </a:pPr>
             <a:r>
-              <a:rPr lang="zh-CN" altLang="en-US" sz="5400" dirty="0" smtClean="0"/>
+              <a:rPr lang="zh-CN" altLang="en-US" sz="5400" b="1" dirty="0">
+                <a:latin typeface="Microsoft JhengHei" panose="020B0604030504040204" pitchFamily="34" charset="-120"/>
+                <a:ea typeface="Microsoft JhengHei" panose="020B0604030504040204" pitchFamily="34" charset="-120"/>
+              </a:rPr>
               <a:t>我最深的喜悅和歡呼</a:t>
             </a:r>
-            <a:endParaRPr lang="zh-TW" altLang="en-US" sz="5400" dirty="0"/>
+            <a:endParaRPr lang="zh-TW" altLang="en-US" sz="5400" b="1" dirty="0">
+              <a:latin typeface="Microsoft JhengHei" panose="020B0604030504040204" pitchFamily="34" charset="-120"/>
+              <a:ea typeface="Microsoft JhengHei" panose="020B0604030504040204" pitchFamily="34" charset="-120"/>
+            </a:endParaRPr>
           </a:p>
         </p:txBody>
       </p:sp>
@@ -4207,9 +3669,9 @@
 </file>
 
 <file path=ppt/theme/theme1.xml><?xml version="1.0" encoding="utf-8"?>
-<a:theme xmlns:a="http://schemas.openxmlformats.org/drawingml/2006/main" name="佈景主題3">
+<a:theme xmlns:a="http://schemas.openxmlformats.org/drawingml/2006/main" name="chongbai">
   <a:themeElements>
-    <a:clrScheme name="模組">
+    <a:clrScheme name="Office">
       <a:dk1>
         <a:sysClr val="windowText" lastClr="000000"/>
       </a:dk1>
@@ -4217,52 +3679,52 @@
         <a:sysClr val="window" lastClr="FFFFFF"/>
       </a:lt1>
       <a:dk2>
-        <a:srgbClr val="5A6378"/>
+        <a:srgbClr val="1F497D"/>
       </a:dk2>
       <a:lt2>
-        <a:srgbClr val="D4D4D6"/>
+        <a:srgbClr val="EEECE1"/>
       </a:lt2>
       <a:accent1>
-        <a:srgbClr val="F0AD00"/>
+        <a:srgbClr val="4F81BD"/>
       </a:accent1>
       <a:accent2>
-        <a:srgbClr val="60B5CC"/>
+        <a:srgbClr val="C0504D"/>
       </a:accent2>
       <a:accent3>
-        <a:srgbClr val="E66C7D"/>
+        <a:srgbClr val="9BBB59"/>
       </a:accent3>
       <a:accent4>
-        <a:srgbClr val="6BB76D"/>
+        <a:srgbClr val="8064A2"/>
       </a:accent4>
       <a:accent5>
-        <a:srgbClr val="E88651"/>
+        <a:srgbClr val="4BACC6"/>
       </a:accent5>
       <a:accent6>
-        <a:srgbClr val="C64847"/>
+        <a:srgbClr val="F79646"/>
       </a:accent6>
       <a:hlink>
-        <a:srgbClr val="168BBA"/>
+        <a:srgbClr val="0000FF"/>
       </a:hlink>
       <a:folHlink>
-        <a:srgbClr val="680000"/>
+        <a:srgbClr val="800080"/>
       </a:folHlink>
     </a:clrScheme>
-    <a:fontScheme name="模組">
+    <a:fontScheme name="Office">
       <a:majorFont>
-        <a:latin typeface="Corbel"/>
+        <a:latin typeface="Calibri"/>
         <a:ea typeface=""/>
         <a:cs typeface=""/>
-        <a:font script="Jpan" typeface="HGｺﾞｼｯｸM"/>
-        <a:font script="Hang" typeface="HY엽서L"/>
-        <a:font script="Hans" typeface="华文楷体"/>
+        <a:font script="Jpan" typeface="ＭＳ Ｐゴシック"/>
+        <a:font script="Hang" typeface="맑은 고딕"/>
+        <a:font script="Hans" typeface="宋体"/>
         <a:font script="Hant" typeface="新細明體"/>
-        <a:font script="Arab" typeface="Tahoma"/>
-        <a:font script="Hebr" typeface="Miriam"/>
-        <a:font script="Thai" typeface="DilleniaUPC"/>
+        <a:font script="Arab" typeface="Times New Roman"/>
+        <a:font script="Hebr" typeface="Times New Roman"/>
+        <a:font script="Thai" typeface="Angsana New"/>
         <a:font script="Ethi" typeface="Nyala"/>
         <a:font script="Beng" typeface="Vrinda"/>
         <a:font script="Gujr" typeface="Shruti"/>
-        <a:font script="Khmr" typeface="DaunPenh"/>
+        <a:font script="Khmr" typeface="MoolBoran"/>
         <a:font script="Knda" typeface="Tunga"/>
         <a:font script="Guru" typeface="Raavi"/>
         <a:font script="Cans" typeface="Euphemia"/>
@@ -4279,20 +3741,20 @@
         <a:font script="Laoo" typeface="DokChampa"/>
         <a:font script="Sinh" typeface="Iskoola Pota"/>
         <a:font script="Mong" typeface="Mongolian Baiti"/>
-        <a:font script="Viet" typeface="Arial"/>
+        <a:font script="Viet" typeface="Times New Roman"/>
         <a:font script="Uigh" typeface="Microsoft Uighur"/>
       </a:majorFont>
       <a:minorFont>
-        <a:latin typeface="Corbel"/>
+        <a:latin typeface="Calibri"/>
         <a:ea typeface=""/>
         <a:cs typeface=""/>
-        <a:font script="Jpan" typeface="HGｺﾞｼｯｸM"/>
-        <a:font script="Hang" typeface="HY엽서L"/>
-        <a:font script="Hans" typeface="华文楷体"/>
+        <a:font script="Jpan" typeface="ＭＳ Ｐゴシック"/>
+        <a:font script="Hang" typeface="맑은 고딕"/>
+        <a:font script="Hans" typeface="宋体"/>
         <a:font script="Hant" typeface="新細明體"/>
-        <a:font script="Arab" typeface="Tahoma"/>
-        <a:font script="Hebr" typeface="Miriam"/>
-        <a:font script="Thai" typeface="DilleniaUPC"/>
+        <a:font script="Arab" typeface="Arial"/>
+        <a:font script="Hebr" typeface="Arial"/>
+        <a:font script="Thai" typeface="Cordia New"/>
         <a:font script="Ethi" typeface="Nyala"/>
         <a:font script="Beng" typeface="Vrinda"/>
         <a:font script="Gujr" typeface="Shruti"/>
@@ -4317,7 +3779,7 @@
         <a:font script="Uigh" typeface="Microsoft Uighur"/>
       </a:minorFont>
     </a:fontScheme>
-    <a:fmtScheme name="模組">
+    <a:fmtScheme name="Office">
       <a:fillStyleLst>
         <a:solidFill>
           <a:schemeClr val="phClr"/>
@@ -4349,20 +3811,20 @@
           <a:gsLst>
             <a:gs pos="0">
               <a:schemeClr val="phClr">
-                <a:shade val="47500"/>
-                <a:satMod val="137000"/>
+                <a:shade val="51000"/>
+                <a:satMod val="130000"/>
               </a:schemeClr>
             </a:gs>
-            <a:gs pos="55000">
+            <a:gs pos="80000">
               <a:schemeClr val="phClr">
-                <a:shade val="69000"/>
-                <a:satMod val="137000"/>
+                <a:shade val="93000"/>
+                <a:satMod val="130000"/>
               </a:schemeClr>
             </a:gs>
             <a:gs pos="100000">
               <a:schemeClr val="phClr">
-                <a:shade val="98000"/>
-                <a:satMod val="137000"/>
+                <a:shade val="94000"/>
+                <a:satMod val="135000"/>
               </a:schemeClr>
             </a:gs>
           </a:gsLst>
@@ -4370,7 +3832,7 @@
         </a:gradFill>
       </a:fillStyleLst>
       <a:lnStyleLst>
-        <a:ln w="6350" cap="rnd" cmpd="sng" algn="ctr">
+        <a:ln w="9525" cap="flat" cmpd="sng" algn="ctr">
           <a:solidFill>
             <a:schemeClr val="phClr">
               <a:shade val="95000"/>
@@ -4379,13 +3841,13 @@
           </a:solidFill>
           <a:prstDash val="solid"/>
         </a:ln>
-        <a:ln w="48000" cap="flat" cmpd="thickThin" algn="ctr">
+        <a:ln w="25400" cap="flat" cmpd="sng" algn="ctr">
           <a:solidFill>
             <a:schemeClr val="phClr"/>
           </a:solidFill>
           <a:prstDash val="solid"/>
         </a:ln>
-        <a:ln w="48500" cap="flat" cmpd="thickThin" algn="ctr">
+        <a:ln w="38100" cap="flat" cmpd="sng" algn="ctr">
           <a:solidFill>
             <a:schemeClr val="phClr"/>
           </a:solidFill>
@@ -4395,7 +3857,7 @@
       <a:effectStyleLst>
         <a:effectStyle>
           <a:effectLst>
-            <a:outerShdw blurRad="45000" dist="25000" dir="5400000" rotWithShape="0">
+            <a:outerShdw blurRad="40000" dist="20000" dir="5400000" rotWithShape="0">
               <a:srgbClr val="000000">
                 <a:alpha val="38000"/>
               </a:srgbClr>
@@ -4404,31 +3866,31 @@
         </a:effectStyle>
         <a:effectStyle>
           <a:effectLst>
-            <a:outerShdw blurRad="39000" dist="25400" dir="5400000" rotWithShape="0">
+            <a:outerShdw blurRad="40000" dist="23000" dir="5400000" rotWithShape="0">
               <a:srgbClr val="000000">
-                <a:alpha val="38000"/>
+                <a:alpha val="35000"/>
               </a:srgbClr>
             </a:outerShdw>
           </a:effectLst>
         </a:effectStyle>
         <a:effectStyle>
           <a:effectLst>
-            <a:outerShdw blurRad="39000" dist="25400" dir="5400000" rotWithShape="0">
+            <a:outerShdw blurRad="40000" dist="23000" dir="5400000" rotWithShape="0">
               <a:srgbClr val="000000">
-                <a:alpha val="38000"/>
+                <a:alpha val="35000"/>
               </a:srgbClr>
             </a:outerShdw>
           </a:effectLst>
           <a:scene3d>
-            <a:camera prst="orthographicFront" fov="0">
+            <a:camera prst="orthographicFront">
               <a:rot lat="0" lon="0" rev="0"/>
             </a:camera>
             <a:lightRig rig="threePt" dir="t">
-              <a:rot lat="0" lon="0" rev="1800000"/>
+              <a:rot lat="0" lon="0" rev="1200000"/>
             </a:lightRig>
           </a:scene3d>
-          <a:sp3d prstMaterial="matte">
-            <a:bevelT h="20000"/>
+          <a:sp3d>
+            <a:bevelT w="63500" h="25400"/>
           </a:sp3d>
         </a:effectStyle>
       </a:effectStyleLst>
@@ -4440,47 +3902,47 @@
           <a:gsLst>
             <a:gs pos="0">
               <a:schemeClr val="phClr">
-                <a:tint val="48000"/>
-                <a:satMod val="300000"/>
+                <a:tint val="40000"/>
+                <a:satMod val="350000"/>
               </a:schemeClr>
             </a:gs>
-            <a:gs pos="12000">
+            <a:gs pos="40000">
               <a:schemeClr val="phClr">
-                <a:tint val="48000"/>
-                <a:satMod val="300000"/>
+                <a:tint val="45000"/>
+                <a:shade val="99000"/>
+                <a:satMod val="350000"/>
               </a:schemeClr>
             </a:gs>
-            <a:gs pos="20000">
+            <a:gs pos="100000">
               <a:schemeClr val="phClr">
-                <a:tint val="49000"/>
+                <a:shade val="20000"/>
+                <a:satMod val="255000"/>
+              </a:schemeClr>
+            </a:gs>
+          </a:gsLst>
+          <a:path path="circle">
+            <a:fillToRect l="50000" t="-80000" r="50000" b="180000"/>
+          </a:path>
+        </a:gradFill>
+        <a:gradFill rotWithShape="1">
+          <a:gsLst>
+            <a:gs pos="0">
+              <a:schemeClr val="phClr">
+                <a:tint val="80000"/>
                 <a:satMod val="300000"/>
               </a:schemeClr>
             </a:gs>
             <a:gs pos="100000">
               <a:schemeClr val="phClr">
                 <a:shade val="30000"/>
+                <a:satMod val="200000"/>
               </a:schemeClr>
             </a:gs>
           </a:gsLst>
           <a:path path="circle">
-            <a:fillToRect l="10000" t="-25000" r="10000" b="125000"/>
+            <a:fillToRect l="50000" t="50000" r="50000" b="50000"/>
           </a:path>
         </a:gradFill>
-        <a:blipFill>
-          <a:blip xmlns:r="http://schemas.openxmlformats.org/officeDocument/2006/relationships" r:embed="rId1">
-            <a:duotone>
-              <a:schemeClr val="phClr">
-                <a:shade val="75000"/>
-                <a:satMod val="105000"/>
-              </a:schemeClr>
-              <a:schemeClr val="phClr">
-                <a:tint val="95000"/>
-                <a:satMod val="105000"/>
-              </a:schemeClr>
-            </a:duotone>
-          </a:blip>
-          <a:tile tx="0" ty="0" sx="38000" sy="38000" flip="none" algn="tl"/>
-        </a:blipFill>
       </a:bgFillStyleLst>
     </a:fmtScheme>
   </a:themeElements>
